--- a/Presentation.pptx
+++ b/Presentation.pptx
@@ -148,7 +148,7 @@
 <file path=ppt/revisionInfo.xml><?xml version="1.0" encoding="utf-8"?>
 <p1510:revInfo xmlns:a="http://schemas.openxmlformats.org/drawingml/2006/main" xmlns:r="http://schemas.openxmlformats.org/officeDocument/2006/relationships" xmlns:p1510="http://schemas.microsoft.com/office/powerpoint/2015/10/main">
   <p1510:revLst>
-    <p1510:client id="{4997F427-73FB-411A-A3D9-A17441FC6E2E}" v="34" dt="2020-07-02T20:51:20.035"/>
+    <p1510:client id="{E185ADC7-5CC4-429A-9579-94A759389659}" v="1" dt="2020-07-06T15:17:47.209"/>
   </p1510:revLst>
 </p1510:revInfo>
 </file>
@@ -156,366 +156,20 @@
 <file path=ppt/changesInfos/changesInfo1.xml><?xml version="1.0" encoding="utf-8"?>
 <pc:chgInfo xmlns:a="http://schemas.openxmlformats.org/drawingml/2006/main" xmlns:r="http://schemas.openxmlformats.org/officeDocument/2006/relationships" xmlns:ac="http://schemas.microsoft.com/office/drawing/2013/main/command" xmlns:pc="http://schemas.microsoft.com/office/powerpoint/2013/main/command">
   <pc:docChgLst>
-    <pc:chgData name="Karl Schubert" userId="ce3f3253-eece-415f-945c-f8827054ec22" providerId="ADAL" clId="{29ECFF26-4D70-42C4-BBBE-EB1BECC3303B}"/>
-    <pc:docChg chg="undo custSel modSld sldOrd">
-      <pc:chgData name="Karl Schubert" userId="ce3f3253-eece-415f-945c-f8827054ec22" providerId="ADAL" clId="{29ECFF26-4D70-42C4-BBBE-EB1BECC3303B}" dt="2020-06-04T19:38:28.466" v="1493" actId="20577"/>
-      <pc:docMkLst>
-        <pc:docMk/>
-      </pc:docMkLst>
-      <pc:sldChg chg="addSp delSp modSp">
-        <pc:chgData name="Karl Schubert" userId="ce3f3253-eece-415f-945c-f8827054ec22" providerId="ADAL" clId="{29ECFF26-4D70-42C4-BBBE-EB1BECC3303B}" dt="2020-06-04T19:25:19.253" v="1091" actId="12"/>
-        <pc:sldMkLst>
-          <pc:docMk/>
-          <pc:sldMk cId="2447582847" sldId="285"/>
-        </pc:sldMkLst>
-        <pc:spChg chg="mod">
-          <ac:chgData name="Karl Schubert" userId="ce3f3253-eece-415f-945c-f8827054ec22" providerId="ADAL" clId="{29ECFF26-4D70-42C4-BBBE-EB1BECC3303B}" dt="2020-06-04T19:25:19.253" v="1091" actId="12"/>
-          <ac:spMkLst>
-            <pc:docMk/>
-            <pc:sldMk cId="2447582847" sldId="285"/>
-            <ac:spMk id="8" creationId="{00000000-0000-0000-0000-000000000000}"/>
-          </ac:spMkLst>
-        </pc:spChg>
-        <pc:picChg chg="mod">
-          <ac:chgData name="Karl Schubert" userId="ce3f3253-eece-415f-945c-f8827054ec22" providerId="ADAL" clId="{29ECFF26-4D70-42C4-BBBE-EB1BECC3303B}" dt="2020-06-04T19:24:40.445" v="1055" actId="1076"/>
-          <ac:picMkLst>
-            <pc:docMk/>
-            <pc:sldMk cId="2447582847" sldId="285"/>
-            <ac:picMk id="3" creationId="{4B54478F-9C22-4D7D-A7C3-AD6CE5B46FAA}"/>
-          </ac:picMkLst>
-        </pc:picChg>
-        <pc:picChg chg="del">
-          <ac:chgData name="Karl Schubert" userId="ce3f3253-eece-415f-945c-f8827054ec22" providerId="ADAL" clId="{29ECFF26-4D70-42C4-BBBE-EB1BECC3303B}" dt="2020-06-04T19:22:39.917" v="1017" actId="478"/>
-          <ac:picMkLst>
-            <pc:docMk/>
-            <pc:sldMk cId="2447582847" sldId="285"/>
-            <ac:picMk id="5" creationId="{F35D99CC-F0CC-42A8-8D21-899EB0653C71}"/>
-          </ac:picMkLst>
-        </pc:picChg>
-        <pc:picChg chg="add del mod">
-          <ac:chgData name="Karl Schubert" userId="ce3f3253-eece-415f-945c-f8827054ec22" providerId="ADAL" clId="{29ECFF26-4D70-42C4-BBBE-EB1BECC3303B}" dt="2020-06-04T19:22:49.353" v="1021"/>
-          <ac:picMkLst>
-            <pc:docMk/>
-            <pc:sldMk cId="2447582847" sldId="285"/>
-            <ac:picMk id="6" creationId="{2F561B65-A1A2-4C74-A818-7CD66875C06C}"/>
-          </ac:picMkLst>
-        </pc:picChg>
-        <pc:picChg chg="add mod">
-          <ac:chgData name="Karl Schubert" userId="ce3f3253-eece-415f-945c-f8827054ec22" providerId="ADAL" clId="{29ECFF26-4D70-42C4-BBBE-EB1BECC3303B}" dt="2020-06-04T19:24:40.445" v="1055" actId="1076"/>
-          <ac:picMkLst>
-            <pc:docMk/>
-            <pc:sldMk cId="2447582847" sldId="285"/>
-            <ac:picMk id="7" creationId="{C7F220BA-BD9B-4061-9DDB-5D1BD9442744}"/>
-          </ac:picMkLst>
-        </pc:picChg>
-      </pc:sldChg>
-      <pc:sldChg chg="modSp">
-        <pc:chgData name="Karl Schubert" userId="ce3f3253-eece-415f-945c-f8827054ec22" providerId="ADAL" clId="{29ECFF26-4D70-42C4-BBBE-EB1BECC3303B}" dt="2020-06-04T19:31:50.264" v="1163" actId="12"/>
-        <pc:sldMkLst>
-          <pc:docMk/>
-          <pc:sldMk cId="1472589221" sldId="287"/>
-        </pc:sldMkLst>
-        <pc:spChg chg="mod">
-          <ac:chgData name="Karl Schubert" userId="ce3f3253-eece-415f-945c-f8827054ec22" providerId="ADAL" clId="{29ECFF26-4D70-42C4-BBBE-EB1BECC3303B}" dt="2020-06-04T19:31:50.264" v="1163" actId="12"/>
-          <ac:spMkLst>
-            <pc:docMk/>
-            <pc:sldMk cId="1472589221" sldId="287"/>
-            <ac:spMk id="8" creationId="{00000000-0000-0000-0000-000000000000}"/>
-          </ac:spMkLst>
-        </pc:spChg>
-        <pc:picChg chg="mod">
-          <ac:chgData name="Karl Schubert" userId="ce3f3253-eece-415f-945c-f8827054ec22" providerId="ADAL" clId="{29ECFF26-4D70-42C4-BBBE-EB1BECC3303B}" dt="2020-06-04T19:31:25.584" v="1162" actId="1076"/>
-          <ac:picMkLst>
-            <pc:docMk/>
-            <pc:sldMk cId="1472589221" sldId="287"/>
-            <ac:picMk id="3" creationId="{4D0784F3-3E5D-4CA8-AA80-1BF54798AED4}"/>
-          </ac:picMkLst>
-        </pc:picChg>
-        <pc:picChg chg="mod">
-          <ac:chgData name="Karl Schubert" userId="ce3f3253-eece-415f-945c-f8827054ec22" providerId="ADAL" clId="{29ECFF26-4D70-42C4-BBBE-EB1BECC3303B}" dt="2020-06-04T19:31:24.010" v="1161" actId="1076"/>
-          <ac:picMkLst>
-            <pc:docMk/>
-            <pc:sldMk cId="1472589221" sldId="287"/>
-            <ac:picMk id="5" creationId="{AAC7F013-C1AA-4C03-AC7C-661AF329B17C}"/>
-          </ac:picMkLst>
-        </pc:picChg>
-      </pc:sldChg>
-      <pc:sldChg chg="modSp">
-        <pc:chgData name="Karl Schubert" userId="ce3f3253-eece-415f-945c-f8827054ec22" providerId="ADAL" clId="{29ECFF26-4D70-42C4-BBBE-EB1BECC3303B}" dt="2020-06-04T19:14:28.370" v="465" actId="20577"/>
-        <pc:sldMkLst>
-          <pc:docMk/>
-          <pc:sldMk cId="183726356" sldId="301"/>
-        </pc:sldMkLst>
-        <pc:spChg chg="mod">
-          <ac:chgData name="Karl Schubert" userId="ce3f3253-eece-415f-945c-f8827054ec22" providerId="ADAL" clId="{29ECFF26-4D70-42C4-BBBE-EB1BECC3303B}" dt="2020-06-04T19:14:28.370" v="465" actId="20577"/>
-          <ac:spMkLst>
-            <pc:docMk/>
-            <pc:sldMk cId="183726356" sldId="301"/>
-            <ac:spMk id="8" creationId="{00000000-0000-0000-0000-000000000000}"/>
-          </ac:spMkLst>
-        </pc:spChg>
-      </pc:sldChg>
-      <pc:sldChg chg="modSp">
-        <pc:chgData name="Karl Schubert" userId="ce3f3253-eece-415f-945c-f8827054ec22" providerId="ADAL" clId="{29ECFF26-4D70-42C4-BBBE-EB1BECC3303B}" dt="2020-06-04T19:12:32.175" v="419" actId="20577"/>
-        <pc:sldMkLst>
-          <pc:docMk/>
-          <pc:sldMk cId="3124282118" sldId="306"/>
-        </pc:sldMkLst>
-        <pc:spChg chg="mod">
-          <ac:chgData name="Karl Schubert" userId="ce3f3253-eece-415f-945c-f8827054ec22" providerId="ADAL" clId="{29ECFF26-4D70-42C4-BBBE-EB1BECC3303B}" dt="2020-06-04T19:10:35.738" v="326" actId="20577"/>
-          <ac:spMkLst>
-            <pc:docMk/>
-            <pc:sldMk cId="3124282118" sldId="306"/>
-            <ac:spMk id="3" creationId="{00000000-0000-0000-0000-000000000000}"/>
-          </ac:spMkLst>
-        </pc:spChg>
-        <pc:spChg chg="mod">
-          <ac:chgData name="Karl Schubert" userId="ce3f3253-eece-415f-945c-f8827054ec22" providerId="ADAL" clId="{29ECFF26-4D70-42C4-BBBE-EB1BECC3303B}" dt="2020-06-04T19:12:32.175" v="419" actId="20577"/>
-          <ac:spMkLst>
-            <pc:docMk/>
-            <pc:sldMk cId="3124282118" sldId="306"/>
-            <ac:spMk id="8" creationId="{00000000-0000-0000-0000-000000000000}"/>
-          </ac:spMkLst>
-        </pc:spChg>
-      </pc:sldChg>
-      <pc:sldChg chg="addSp delSp modSp">
-        <pc:chgData name="Karl Schubert" userId="ce3f3253-eece-415f-945c-f8827054ec22" providerId="ADAL" clId="{29ECFF26-4D70-42C4-BBBE-EB1BECC3303B}" dt="2020-06-04T19:20:57.388" v="855" actId="20577"/>
-        <pc:sldMkLst>
-          <pc:docMk/>
-          <pc:sldMk cId="3259932528" sldId="307"/>
-        </pc:sldMkLst>
-        <pc:spChg chg="mod">
-          <ac:chgData name="Karl Schubert" userId="ce3f3253-eece-415f-945c-f8827054ec22" providerId="ADAL" clId="{29ECFF26-4D70-42C4-BBBE-EB1BECC3303B}" dt="2020-06-04T19:20:57.388" v="855" actId="20577"/>
-          <ac:spMkLst>
-            <pc:docMk/>
-            <pc:sldMk cId="3259932528" sldId="307"/>
-            <ac:spMk id="8" creationId="{00000000-0000-0000-0000-000000000000}"/>
-          </ac:spMkLst>
-        </pc:spChg>
-        <pc:picChg chg="add mod">
-          <ac:chgData name="Karl Schubert" userId="ce3f3253-eece-415f-945c-f8827054ec22" providerId="ADAL" clId="{29ECFF26-4D70-42C4-BBBE-EB1BECC3303B}" dt="2020-06-04T19:18:04.024" v="473" actId="1076"/>
-          <ac:picMkLst>
-            <pc:docMk/>
-            <pc:sldMk cId="3259932528" sldId="307"/>
-            <ac:picMk id="3" creationId="{637BA1B9-3A2D-42A9-B0CF-22CF919BA9DE}"/>
-          </ac:picMkLst>
-        </pc:picChg>
-        <pc:picChg chg="del">
-          <ac:chgData name="Karl Schubert" userId="ce3f3253-eece-415f-945c-f8827054ec22" providerId="ADAL" clId="{29ECFF26-4D70-42C4-BBBE-EB1BECC3303B}" dt="2020-06-04T19:17:33.864" v="468" actId="478"/>
-          <ac:picMkLst>
-            <pc:docMk/>
-            <pc:sldMk cId="3259932528" sldId="307"/>
-            <ac:picMk id="6" creationId="{48DD1674-93C8-4BB0-9F37-07EB1400CF10}"/>
-          </ac:picMkLst>
-        </pc:picChg>
-      </pc:sldChg>
-      <pc:sldChg chg="modSp">
-        <pc:chgData name="Karl Schubert" userId="ce3f3253-eece-415f-945c-f8827054ec22" providerId="ADAL" clId="{29ECFF26-4D70-42C4-BBBE-EB1BECC3303B}" dt="2020-06-04T19:38:28.466" v="1493" actId="20577"/>
-        <pc:sldMkLst>
-          <pc:docMk/>
-          <pc:sldMk cId="3577818421" sldId="308"/>
-        </pc:sldMkLst>
-        <pc:spChg chg="mod">
-          <ac:chgData name="Karl Schubert" userId="ce3f3253-eece-415f-945c-f8827054ec22" providerId="ADAL" clId="{29ECFF26-4D70-42C4-BBBE-EB1BECC3303B}" dt="2020-06-04T19:38:28.466" v="1493" actId="20577"/>
-          <ac:spMkLst>
-            <pc:docMk/>
-            <pc:sldMk cId="3577818421" sldId="308"/>
-            <ac:spMk id="8" creationId="{00000000-0000-0000-0000-000000000000}"/>
-          </ac:spMkLst>
-        </pc:spChg>
-      </pc:sldChg>
-      <pc:sldChg chg="modSp">
-        <pc:chgData name="Karl Schubert" userId="ce3f3253-eece-415f-945c-f8827054ec22" providerId="ADAL" clId="{29ECFF26-4D70-42C4-BBBE-EB1BECC3303B}" dt="2020-06-04T19:22:12.099" v="1016" actId="20577"/>
-        <pc:sldMkLst>
-          <pc:docMk/>
-          <pc:sldMk cId="2688997071" sldId="312"/>
-        </pc:sldMkLst>
-        <pc:spChg chg="mod">
-          <ac:chgData name="Karl Schubert" userId="ce3f3253-eece-415f-945c-f8827054ec22" providerId="ADAL" clId="{29ECFF26-4D70-42C4-BBBE-EB1BECC3303B}" dt="2020-06-04T19:22:12.099" v="1016" actId="20577"/>
-          <ac:spMkLst>
-            <pc:docMk/>
-            <pc:sldMk cId="2688997071" sldId="312"/>
-            <ac:spMk id="9" creationId="{47F72638-D281-4DB3-8ECD-0E8AC0107280}"/>
-          </ac:spMkLst>
-        </pc:spChg>
-      </pc:sldChg>
-      <pc:sldChg chg="modSp ord">
-        <pc:chgData name="Karl Schubert" userId="ce3f3253-eece-415f-945c-f8827054ec22" providerId="ADAL" clId="{29ECFF26-4D70-42C4-BBBE-EB1BECC3303B}" dt="2020-06-04T19:36:40.095" v="1419" actId="20577"/>
-        <pc:sldMkLst>
-          <pc:docMk/>
-          <pc:sldMk cId="1896193197" sldId="313"/>
-        </pc:sldMkLst>
-        <pc:spChg chg="mod">
-          <ac:chgData name="Karl Schubert" userId="ce3f3253-eece-415f-945c-f8827054ec22" providerId="ADAL" clId="{29ECFF26-4D70-42C4-BBBE-EB1BECC3303B}" dt="2020-06-04T19:36:40.095" v="1419" actId="20577"/>
-          <ac:spMkLst>
-            <pc:docMk/>
-            <pc:sldMk cId="1896193197" sldId="313"/>
-            <ac:spMk id="3" creationId="{00000000-0000-0000-0000-000000000000}"/>
-          </ac:spMkLst>
-        </pc:spChg>
-      </pc:sldChg>
-      <pc:sldChg chg="addSp delSp modSp">
-        <pc:chgData name="Karl Schubert" userId="ce3f3253-eece-415f-945c-f8827054ec22" providerId="ADAL" clId="{29ECFF26-4D70-42C4-BBBE-EB1BECC3303B}" dt="2020-06-04T19:07:32.804" v="316" actId="20577"/>
-        <pc:sldMkLst>
-          <pc:docMk/>
-          <pc:sldMk cId="3570349022" sldId="314"/>
-        </pc:sldMkLst>
-        <pc:spChg chg="mod">
-          <ac:chgData name="Karl Schubert" userId="ce3f3253-eece-415f-945c-f8827054ec22" providerId="ADAL" clId="{29ECFF26-4D70-42C4-BBBE-EB1BECC3303B}" dt="2020-06-04T19:07:32.804" v="316" actId="20577"/>
-          <ac:spMkLst>
-            <pc:docMk/>
-            <pc:sldMk cId="3570349022" sldId="314"/>
-            <ac:spMk id="3" creationId="{0EC2FB01-63E6-429C-8F1D-FC9A32A14F78}"/>
-          </ac:spMkLst>
-        </pc:spChg>
-        <pc:spChg chg="add del mod">
-          <ac:chgData name="Karl Schubert" userId="ce3f3253-eece-415f-945c-f8827054ec22" providerId="ADAL" clId="{29ECFF26-4D70-42C4-BBBE-EB1BECC3303B}" dt="2020-06-04T19:04:35.876" v="89" actId="478"/>
-          <ac:spMkLst>
-            <pc:docMk/>
-            <pc:sldMk cId="3570349022" sldId="314"/>
-            <ac:spMk id="5" creationId="{C2D6F09C-0C7A-4F1A-86D3-FD84C6E0E1C0}"/>
-          </ac:spMkLst>
-        </pc:spChg>
-      </pc:sldChg>
-      <pc:sldChg chg="modSp">
-        <pc:chgData name="Karl Schubert" userId="ce3f3253-eece-415f-945c-f8827054ec22" providerId="ADAL" clId="{29ECFF26-4D70-42C4-BBBE-EB1BECC3303B}" dt="2020-06-04T19:36:20.010" v="1354" actId="20577"/>
-        <pc:sldMkLst>
-          <pc:docMk/>
-          <pc:sldMk cId="999593188" sldId="315"/>
-        </pc:sldMkLst>
-        <pc:spChg chg="mod">
-          <ac:chgData name="Karl Schubert" userId="ce3f3253-eece-415f-945c-f8827054ec22" providerId="ADAL" clId="{29ECFF26-4D70-42C4-BBBE-EB1BECC3303B}" dt="2020-06-04T19:36:20.010" v="1354" actId="20577"/>
-          <ac:spMkLst>
-            <pc:docMk/>
-            <pc:sldMk cId="999593188" sldId="315"/>
-            <ac:spMk id="7" creationId="{B6CD2707-7D60-4519-8713-E7A5B82EC851}"/>
-          </ac:spMkLst>
-        </pc:spChg>
-      </pc:sldChg>
-      <pc:sldChg chg="modSp">
-        <pc:chgData name="Karl Schubert" userId="ce3f3253-eece-415f-945c-f8827054ec22" providerId="ADAL" clId="{29ECFF26-4D70-42C4-BBBE-EB1BECC3303B}" dt="2020-06-04T19:27:31.671" v="1159" actId="20577"/>
-        <pc:sldMkLst>
-          <pc:docMk/>
-          <pc:sldMk cId="1616769450" sldId="316"/>
-        </pc:sldMkLst>
-        <pc:spChg chg="mod">
-          <ac:chgData name="Karl Schubert" userId="ce3f3253-eece-415f-945c-f8827054ec22" providerId="ADAL" clId="{29ECFF26-4D70-42C4-BBBE-EB1BECC3303B}" dt="2020-06-04T19:24:09.492" v="1025" actId="20577"/>
-          <ac:spMkLst>
-            <pc:docMk/>
-            <pc:sldMk cId="1616769450" sldId="316"/>
-            <ac:spMk id="4" creationId="{00000000-0000-0000-0000-000000000000}"/>
-          </ac:spMkLst>
-        </pc:spChg>
-        <pc:spChg chg="mod">
-          <ac:chgData name="Karl Schubert" userId="ce3f3253-eece-415f-945c-f8827054ec22" providerId="ADAL" clId="{29ECFF26-4D70-42C4-BBBE-EB1BECC3303B}" dt="2020-06-04T19:27:31.671" v="1159" actId="20577"/>
-          <ac:spMkLst>
-            <pc:docMk/>
-            <pc:sldMk cId="1616769450" sldId="316"/>
-            <ac:spMk id="8" creationId="{00000000-0000-0000-0000-000000000000}"/>
-          </ac:spMkLst>
-        </pc:spChg>
-      </pc:sldChg>
-    </pc:docChg>
-  </pc:docChgLst>
-  <pc:docChgLst>
-    <pc:chgData name="Karl Schubert" userId="ce3f3253-eece-415f-945c-f8827054ec22" providerId="ADAL" clId="{E6EDC911-BC3C-4E6B-8D21-2A75D2B8B838}"/>
-    <pc:docChg chg="modSld">
-      <pc:chgData name="Karl Schubert" userId="ce3f3253-eece-415f-945c-f8827054ec22" providerId="ADAL" clId="{E6EDC911-BC3C-4E6B-8D21-2A75D2B8B838}" dt="2020-06-08T18:29:46.050" v="1" actId="6549"/>
+    <pc:chgData name="Karl Schubert" userId="ce3f3253-eece-415f-945c-f8827054ec22" providerId="ADAL" clId="{E185ADC7-5CC4-429A-9579-94A759389659}"/>
+    <pc:docChg chg="custSel modSld">
+      <pc:chgData name="Karl Schubert" userId="ce3f3253-eece-415f-945c-f8827054ec22" providerId="ADAL" clId="{E185ADC7-5CC4-429A-9579-94A759389659}" dt="2020-07-06T15:20:09.805" v="79" actId="33524"/>
       <pc:docMkLst>
         <pc:docMk/>
       </pc:docMkLst>
       <pc:sldChg chg="modSp">
-        <pc:chgData name="Karl Schubert" userId="ce3f3253-eece-415f-945c-f8827054ec22" providerId="ADAL" clId="{E6EDC911-BC3C-4E6B-8D21-2A75D2B8B838}" dt="2020-06-08T18:29:46.050" v="1" actId="6549"/>
-        <pc:sldMkLst>
-          <pc:docMk/>
-          <pc:sldMk cId="1896193197" sldId="313"/>
-        </pc:sldMkLst>
-        <pc:spChg chg="mod">
-          <ac:chgData name="Karl Schubert" userId="ce3f3253-eece-415f-945c-f8827054ec22" providerId="ADAL" clId="{E6EDC911-BC3C-4E6B-8D21-2A75D2B8B838}" dt="2020-06-08T18:29:46.050" v="1" actId="6549"/>
-          <ac:spMkLst>
-            <pc:docMk/>
-            <pc:sldMk cId="1896193197" sldId="313"/>
-            <ac:spMk id="3" creationId="{00000000-0000-0000-0000-000000000000}"/>
-          </ac:spMkLst>
-        </pc:spChg>
-      </pc:sldChg>
-    </pc:docChg>
-  </pc:docChgLst>
-  <pc:docChgLst>
-    <pc:chgData name="Karl Schubert" userId="ce3f3253-eece-415f-945c-f8827054ec22" providerId="ADAL" clId="{4997F427-73FB-411A-A3D9-A17441FC6E2E}"/>
-    <pc:docChg chg="undo custSel addSld delSld modSld">
-      <pc:chgData name="Karl Schubert" userId="ce3f3253-eece-415f-945c-f8827054ec22" providerId="ADAL" clId="{4997F427-73FB-411A-A3D9-A17441FC6E2E}" dt="2020-07-02T20:51:35.868" v="3441" actId="14100"/>
-      <pc:docMkLst>
-        <pc:docMk/>
-      </pc:docMkLst>
-      <pc:sldChg chg="modSp">
-        <pc:chgData name="Karl Schubert" userId="ce3f3253-eece-415f-945c-f8827054ec22" providerId="ADAL" clId="{4997F427-73FB-411A-A3D9-A17441FC6E2E}" dt="2020-07-02T19:37:28.401" v="1569" actId="20577"/>
-        <pc:sldMkLst>
-          <pc:docMk/>
-          <pc:sldMk cId="1659526320" sldId="261"/>
-        </pc:sldMkLst>
-        <pc:spChg chg="mod">
-          <ac:chgData name="Karl Schubert" userId="ce3f3253-eece-415f-945c-f8827054ec22" providerId="ADAL" clId="{4997F427-73FB-411A-A3D9-A17441FC6E2E}" dt="2020-07-02T19:37:28.401" v="1569" actId="20577"/>
-          <ac:spMkLst>
-            <pc:docMk/>
-            <pc:sldMk cId="1659526320" sldId="261"/>
-            <ac:spMk id="3" creationId="{00000000-0000-0000-0000-000000000000}"/>
-          </ac:spMkLst>
-        </pc:spChg>
-      </pc:sldChg>
-      <pc:sldChg chg="modSp">
-        <pc:chgData name="Karl Schubert" userId="ce3f3253-eece-415f-945c-f8827054ec22" providerId="ADAL" clId="{4997F427-73FB-411A-A3D9-A17441FC6E2E}" dt="2020-07-02T19:01:45.537" v="58" actId="20577"/>
-        <pc:sldMkLst>
-          <pc:docMk/>
-          <pc:sldMk cId="2269452036" sldId="269"/>
-        </pc:sldMkLst>
-        <pc:spChg chg="mod">
-          <ac:chgData name="Karl Schubert" userId="ce3f3253-eece-415f-945c-f8827054ec22" providerId="ADAL" clId="{4997F427-73FB-411A-A3D9-A17441FC6E2E}" dt="2020-07-02T19:01:37.880" v="54" actId="20577"/>
-          <ac:spMkLst>
-            <pc:docMk/>
-            <pc:sldMk cId="2269452036" sldId="269"/>
-            <ac:spMk id="2" creationId="{00000000-0000-0000-0000-000000000000}"/>
-          </ac:spMkLst>
-        </pc:spChg>
-        <pc:spChg chg="mod">
-          <ac:chgData name="Karl Schubert" userId="ce3f3253-eece-415f-945c-f8827054ec22" providerId="ADAL" clId="{4997F427-73FB-411A-A3D9-A17441FC6E2E}" dt="2020-07-02T19:01:45.537" v="58" actId="20577"/>
-          <ac:spMkLst>
-            <pc:docMk/>
-            <pc:sldMk cId="2269452036" sldId="269"/>
-            <ac:spMk id="3" creationId="{00000000-0000-0000-0000-000000000000}"/>
-          </ac:spMkLst>
-        </pc:spChg>
-      </pc:sldChg>
-      <pc:sldChg chg="del">
-        <pc:chgData name="Karl Schubert" userId="ce3f3253-eece-415f-945c-f8827054ec22" providerId="ADAL" clId="{4997F427-73FB-411A-A3D9-A17441FC6E2E}" dt="2020-07-02T19:06:06.335" v="81" actId="2696"/>
-        <pc:sldMkLst>
-          <pc:docMk/>
-          <pc:sldMk cId="2447582847" sldId="285"/>
-        </pc:sldMkLst>
-      </pc:sldChg>
-      <pc:sldChg chg="del">
-        <pc:chgData name="Karl Schubert" userId="ce3f3253-eece-415f-945c-f8827054ec22" providerId="ADAL" clId="{4997F427-73FB-411A-A3D9-A17441FC6E2E}" dt="2020-07-02T19:06:06.349" v="83" actId="2696"/>
-        <pc:sldMkLst>
-          <pc:docMk/>
-          <pc:sldMk cId="1472589221" sldId="287"/>
-        </pc:sldMkLst>
-      </pc:sldChg>
-      <pc:sldChg chg="modSp add">
-        <pc:chgData name="Karl Schubert" userId="ce3f3253-eece-415f-945c-f8827054ec22" providerId="ADAL" clId="{4997F427-73FB-411A-A3D9-A17441FC6E2E}" dt="2020-07-02T19:35:51.126" v="1421" actId="20577"/>
+        <pc:chgData name="Karl Schubert" userId="ce3f3253-eece-415f-945c-f8827054ec22" providerId="ADAL" clId="{E185ADC7-5CC4-429A-9579-94A759389659}" dt="2020-07-06T15:20:00.761" v="78" actId="33524"/>
         <pc:sldMkLst>
           <pc:docMk/>
           <pc:sldMk cId="1046730459" sldId="289"/>
         </pc:sldMkLst>
         <pc:spChg chg="mod">
-          <ac:chgData name="Karl Schubert" userId="ce3f3253-eece-415f-945c-f8827054ec22" providerId="ADAL" clId="{4997F427-73FB-411A-A3D9-A17441FC6E2E}" dt="2020-07-02T19:06:26.415" v="93" actId="20577"/>
-          <ac:spMkLst>
-            <pc:docMk/>
-            <pc:sldMk cId="1046730459" sldId="289"/>
-            <ac:spMk id="2" creationId="{9B0467CE-F6F3-4237-A89C-57D78A88591E}"/>
-          </ac:spMkLst>
-        </pc:spChg>
-        <pc:spChg chg="mod">
-          <ac:chgData name="Karl Schubert" userId="ce3f3253-eece-415f-945c-f8827054ec22" providerId="ADAL" clId="{4997F427-73FB-411A-A3D9-A17441FC6E2E}" dt="2020-07-02T19:35:51.126" v="1421" actId="20577"/>
+          <ac:chgData name="Karl Schubert" userId="ce3f3253-eece-415f-945c-f8827054ec22" providerId="ADAL" clId="{E185ADC7-5CC4-429A-9579-94A759389659}" dt="2020-07-06T15:20:00.761" v="78" actId="33524"/>
           <ac:spMkLst>
             <pc:docMk/>
             <pc:sldMk cId="1046730459" sldId="289"/>
@@ -523,800 +177,20 @@
           </ac:spMkLst>
         </pc:spChg>
       </pc:sldChg>
-      <pc:sldChg chg="modSp add">
-        <pc:chgData name="Karl Schubert" userId="ce3f3253-eece-415f-945c-f8827054ec22" providerId="ADAL" clId="{4997F427-73FB-411A-A3D9-A17441FC6E2E}" dt="2020-07-02T19:58:05.638" v="3117" actId="12"/>
+      <pc:sldChg chg="modSp">
+        <pc:chgData name="Karl Schubert" userId="ce3f3253-eece-415f-945c-f8827054ec22" providerId="ADAL" clId="{E185ADC7-5CC4-429A-9579-94A759389659}" dt="2020-07-06T15:20:09.805" v="79" actId="33524"/>
         <pc:sldMkLst>
           <pc:docMk/>
           <pc:sldMk cId="2139786132" sldId="290"/>
         </pc:sldMkLst>
         <pc:spChg chg="mod">
-          <ac:chgData name="Karl Schubert" userId="ce3f3253-eece-415f-945c-f8827054ec22" providerId="ADAL" clId="{4997F427-73FB-411A-A3D9-A17441FC6E2E}" dt="2020-07-02T19:37:20.168" v="1568" actId="20577"/>
-          <ac:spMkLst>
-            <pc:docMk/>
-            <pc:sldMk cId="2139786132" sldId="290"/>
-            <ac:spMk id="2" creationId="{5CF04B8F-81EE-4821-848E-30735F2C08B6}"/>
-          </ac:spMkLst>
-        </pc:spChg>
-        <pc:spChg chg="mod">
-          <ac:chgData name="Karl Schubert" userId="ce3f3253-eece-415f-945c-f8827054ec22" providerId="ADAL" clId="{4997F427-73FB-411A-A3D9-A17441FC6E2E}" dt="2020-07-02T19:58:05.638" v="3117" actId="12"/>
+          <ac:chgData name="Karl Schubert" userId="ce3f3253-eece-415f-945c-f8827054ec22" providerId="ADAL" clId="{E185ADC7-5CC4-429A-9579-94A759389659}" dt="2020-07-06T15:20:09.805" v="79" actId="33524"/>
           <ac:spMkLst>
             <pc:docMk/>
             <pc:sldMk cId="2139786132" sldId="290"/>
             <ac:spMk id="3" creationId="{13D55B79-DD9E-4A67-A48A-47E9AECFD4DD}"/>
           </ac:spMkLst>
         </pc:spChg>
-      </pc:sldChg>
-      <pc:sldChg chg="addSp delSp modSp add">
-        <pc:chgData name="Karl Schubert" userId="ce3f3253-eece-415f-945c-f8827054ec22" providerId="ADAL" clId="{4997F427-73FB-411A-A3D9-A17441FC6E2E}" dt="2020-07-02T20:43:47.777" v="3306" actId="20577"/>
-        <pc:sldMkLst>
-          <pc:docMk/>
-          <pc:sldMk cId="3346223237" sldId="291"/>
-        </pc:sldMkLst>
-        <pc:spChg chg="mod">
-          <ac:chgData name="Karl Schubert" userId="ce3f3253-eece-415f-945c-f8827054ec22" providerId="ADAL" clId="{4997F427-73FB-411A-A3D9-A17441FC6E2E}" dt="2020-07-02T19:54:07.160" v="3062" actId="20577"/>
-          <ac:spMkLst>
-            <pc:docMk/>
-            <pc:sldMk cId="3346223237" sldId="291"/>
-            <ac:spMk id="2" creationId="{5C30961C-0B41-468C-84A5-0E35A15268CE}"/>
-          </ac:spMkLst>
-        </pc:spChg>
-        <pc:spChg chg="add del mod">
-          <ac:chgData name="Karl Schubert" userId="ce3f3253-eece-415f-945c-f8827054ec22" providerId="ADAL" clId="{4997F427-73FB-411A-A3D9-A17441FC6E2E}" dt="2020-07-02T20:18:32.623" v="3251" actId="14100"/>
-          <ac:spMkLst>
-            <pc:docMk/>
-            <pc:sldMk cId="3346223237" sldId="291"/>
-            <ac:spMk id="3" creationId="{CB807A30-3523-494B-BAD6-D023F8D82424}"/>
-          </ac:spMkLst>
-        </pc:spChg>
-        <pc:spChg chg="add mod">
-          <ac:chgData name="Karl Schubert" userId="ce3f3253-eece-415f-945c-f8827054ec22" providerId="ADAL" clId="{4997F427-73FB-411A-A3D9-A17441FC6E2E}" dt="2020-07-02T20:43:47.777" v="3306" actId="20577"/>
-          <ac:spMkLst>
-            <pc:docMk/>
-            <pc:sldMk cId="3346223237" sldId="291"/>
-            <ac:spMk id="8" creationId="{2EB0D7AB-5DBB-4578-A258-356072A31F0C}"/>
-          </ac:spMkLst>
-        </pc:spChg>
-        <pc:picChg chg="add del mod">
-          <ac:chgData name="Karl Schubert" userId="ce3f3253-eece-415f-945c-f8827054ec22" providerId="ADAL" clId="{4997F427-73FB-411A-A3D9-A17441FC6E2E}" dt="2020-07-02T20:07:47.494" v="3119"/>
-          <ac:picMkLst>
-            <pc:docMk/>
-            <pc:sldMk cId="3346223237" sldId="291"/>
-            <ac:picMk id="4" creationId="{53EBF05E-A6D0-4ED4-BED2-705905CABC81}"/>
-          </ac:picMkLst>
-        </pc:picChg>
-        <pc:picChg chg="add mod">
-          <ac:chgData name="Karl Schubert" userId="ce3f3253-eece-415f-945c-f8827054ec22" providerId="ADAL" clId="{4997F427-73FB-411A-A3D9-A17441FC6E2E}" dt="2020-07-02T20:16:58.746" v="3202" actId="1076"/>
-          <ac:picMkLst>
-            <pc:docMk/>
-            <pc:sldMk cId="3346223237" sldId="291"/>
-            <ac:picMk id="5" creationId="{A8D6C294-88B3-4668-9FF9-3C70DF6A6444}"/>
-          </ac:picMkLst>
-        </pc:picChg>
-        <pc:picChg chg="add mod">
-          <ac:chgData name="Karl Schubert" userId="ce3f3253-eece-415f-945c-f8827054ec22" providerId="ADAL" clId="{4997F427-73FB-411A-A3D9-A17441FC6E2E}" dt="2020-07-02T20:16:27.434" v="3174" actId="1076"/>
-          <ac:picMkLst>
-            <pc:docMk/>
-            <pc:sldMk cId="3346223237" sldId="291"/>
-            <ac:picMk id="6" creationId="{7FDE2310-38F5-48D0-AB14-6C4F42A45724}"/>
-          </ac:picMkLst>
-        </pc:picChg>
-        <pc:picChg chg="add mod">
-          <ac:chgData name="Karl Schubert" userId="ce3f3253-eece-415f-945c-f8827054ec22" providerId="ADAL" clId="{4997F427-73FB-411A-A3D9-A17441FC6E2E}" dt="2020-07-02T20:18:16.267" v="3248" actId="1076"/>
-          <ac:picMkLst>
-            <pc:docMk/>
-            <pc:sldMk cId="3346223237" sldId="291"/>
-            <ac:picMk id="7" creationId="{CAFEDD48-2469-48BB-8702-C1FCFFF736F3}"/>
-          </ac:picMkLst>
-        </pc:picChg>
-        <pc:picChg chg="add mod">
-          <ac:chgData name="Karl Schubert" userId="ce3f3253-eece-415f-945c-f8827054ec22" providerId="ADAL" clId="{4997F427-73FB-411A-A3D9-A17441FC6E2E}" dt="2020-07-02T20:43:45.508" v="3305" actId="1076"/>
-          <ac:picMkLst>
-            <pc:docMk/>
-            <pc:sldMk cId="3346223237" sldId="291"/>
-            <ac:picMk id="9" creationId="{366BCA1B-E450-4077-881B-700354683820}"/>
-          </ac:picMkLst>
-        </pc:picChg>
-      </pc:sldChg>
-      <pc:sldChg chg="addSp delSp modSp add">
-        <pc:chgData name="Karl Schubert" userId="ce3f3253-eece-415f-945c-f8827054ec22" providerId="ADAL" clId="{4997F427-73FB-411A-A3D9-A17441FC6E2E}" dt="2020-07-02T20:51:35.868" v="3441" actId="14100"/>
-        <pc:sldMkLst>
-          <pc:docMk/>
-          <pc:sldMk cId="4100227859" sldId="292"/>
-        </pc:sldMkLst>
-        <pc:spChg chg="mod">
-          <ac:chgData name="Karl Schubert" userId="ce3f3253-eece-415f-945c-f8827054ec22" providerId="ADAL" clId="{4997F427-73FB-411A-A3D9-A17441FC6E2E}" dt="2020-07-02T20:40:14.844" v="3285" actId="20577"/>
-          <ac:spMkLst>
-            <pc:docMk/>
-            <pc:sldMk cId="4100227859" sldId="292"/>
-            <ac:spMk id="2" creationId="{C64B60F3-3E1D-45AA-9B68-701F5BB08FCA}"/>
-          </ac:spMkLst>
-        </pc:spChg>
-        <pc:spChg chg="add del">
-          <ac:chgData name="Karl Schubert" userId="ce3f3253-eece-415f-945c-f8827054ec22" providerId="ADAL" clId="{4997F427-73FB-411A-A3D9-A17441FC6E2E}" dt="2020-07-02T20:45:15.765" v="3311"/>
-          <ac:spMkLst>
-            <pc:docMk/>
-            <pc:sldMk cId="4100227859" sldId="292"/>
-            <ac:spMk id="3" creationId="{369BEFE7-08B1-48D6-B3CA-6B287ECC1C15}"/>
-          </ac:spMkLst>
-        </pc:spChg>
-        <pc:picChg chg="add del mod">
-          <ac:chgData name="Karl Schubert" userId="ce3f3253-eece-415f-945c-f8827054ec22" providerId="ADAL" clId="{4997F427-73FB-411A-A3D9-A17441FC6E2E}" dt="2020-07-02T20:45:15.765" v="3311"/>
-          <ac:picMkLst>
-            <pc:docMk/>
-            <pc:sldMk cId="4100227859" sldId="292"/>
-            <ac:picMk id="5" creationId="{437702E1-B697-47A0-924A-00B20855B357}"/>
-          </ac:picMkLst>
-        </pc:picChg>
-        <pc:picChg chg="add mod">
-          <ac:chgData name="Karl Schubert" userId="ce3f3253-eece-415f-945c-f8827054ec22" providerId="ADAL" clId="{4997F427-73FB-411A-A3D9-A17441FC6E2E}" dt="2020-07-02T20:51:35.868" v="3441" actId="14100"/>
-          <ac:picMkLst>
-            <pc:docMk/>
-            <pc:sldMk cId="4100227859" sldId="292"/>
-            <ac:picMk id="6" creationId="{5FF933B0-A52C-4A9D-A0AF-06E363BBF078}"/>
-          </ac:picMkLst>
-        </pc:picChg>
-      </pc:sldChg>
-      <pc:sldChg chg="addSp modSp add">
-        <pc:chgData name="Karl Schubert" userId="ce3f3253-eece-415f-945c-f8827054ec22" providerId="ADAL" clId="{4997F427-73FB-411A-A3D9-A17441FC6E2E}" dt="2020-07-02T20:51:25.494" v="3439" actId="20577"/>
-        <pc:sldMkLst>
-          <pc:docMk/>
-          <pc:sldMk cId="3565061763" sldId="293"/>
-        </pc:sldMkLst>
-        <pc:spChg chg="mod">
-          <ac:chgData name="Karl Schubert" userId="ce3f3253-eece-415f-945c-f8827054ec22" providerId="ADAL" clId="{4997F427-73FB-411A-A3D9-A17441FC6E2E}" dt="2020-07-02T20:51:25.494" v="3439" actId="20577"/>
-          <ac:spMkLst>
-            <pc:docMk/>
-            <pc:sldMk cId="3565061763" sldId="293"/>
-            <ac:spMk id="2" creationId="{5615A28A-E6F0-49C8-8275-DF359934EFCC}"/>
-          </ac:spMkLst>
-        </pc:spChg>
-        <pc:picChg chg="add mod">
-          <ac:chgData name="Karl Schubert" userId="ce3f3253-eece-415f-945c-f8827054ec22" providerId="ADAL" clId="{4997F427-73FB-411A-A3D9-A17441FC6E2E}" dt="2020-07-02T20:51:23.176" v="3435" actId="1076"/>
-          <ac:picMkLst>
-            <pc:docMk/>
-            <pc:sldMk cId="3565061763" sldId="293"/>
-            <ac:picMk id="4" creationId="{036701B4-9A27-46BE-B335-DA89188560BB}"/>
-          </ac:picMkLst>
-        </pc:picChg>
-      </pc:sldChg>
-      <pc:sldChg chg="addSp modSp add">
-        <pc:chgData name="Karl Schubert" userId="ce3f3253-eece-415f-945c-f8827054ec22" providerId="ADAL" clId="{4997F427-73FB-411A-A3D9-A17441FC6E2E}" dt="2020-07-02T20:51:16.261" v="3433" actId="20577"/>
-        <pc:sldMkLst>
-          <pc:docMk/>
-          <pc:sldMk cId="3548595540" sldId="294"/>
-        </pc:sldMkLst>
-        <pc:spChg chg="mod">
-          <ac:chgData name="Karl Schubert" userId="ce3f3253-eece-415f-945c-f8827054ec22" providerId="ADAL" clId="{4997F427-73FB-411A-A3D9-A17441FC6E2E}" dt="2020-07-02T20:51:16.261" v="3433" actId="20577"/>
-          <ac:spMkLst>
-            <pc:docMk/>
-            <pc:sldMk cId="3548595540" sldId="294"/>
-            <ac:spMk id="2" creationId="{4F43BC21-647C-4480-AE99-0FDCE45E3541}"/>
-          </ac:spMkLst>
-        </pc:spChg>
-        <pc:picChg chg="add mod">
-          <ac:chgData name="Karl Schubert" userId="ce3f3253-eece-415f-945c-f8827054ec22" providerId="ADAL" clId="{4997F427-73FB-411A-A3D9-A17441FC6E2E}" dt="2020-07-02T20:48:17.633" v="3318" actId="1076"/>
-          <ac:picMkLst>
-            <pc:docMk/>
-            <pc:sldMk cId="3548595540" sldId="294"/>
-            <ac:picMk id="4" creationId="{BFE05C69-4E4D-47EA-8943-3AFD1830E8CD}"/>
-          </ac:picMkLst>
-        </pc:picChg>
-      </pc:sldChg>
-      <pc:sldChg chg="addSp modSp add">
-        <pc:chgData name="Karl Schubert" userId="ce3f3253-eece-415f-945c-f8827054ec22" providerId="ADAL" clId="{4997F427-73FB-411A-A3D9-A17441FC6E2E}" dt="2020-07-02T20:51:09.925" v="3424" actId="20577"/>
-        <pc:sldMkLst>
-          <pc:docMk/>
-          <pc:sldMk cId="1569138361" sldId="295"/>
-        </pc:sldMkLst>
-        <pc:spChg chg="mod">
-          <ac:chgData name="Karl Schubert" userId="ce3f3253-eece-415f-945c-f8827054ec22" providerId="ADAL" clId="{4997F427-73FB-411A-A3D9-A17441FC6E2E}" dt="2020-07-02T20:51:09.925" v="3424" actId="20577"/>
-          <ac:spMkLst>
-            <pc:docMk/>
-            <pc:sldMk cId="1569138361" sldId="295"/>
-            <ac:spMk id="2" creationId="{EEFB4AD6-321A-48DB-91CA-6BD15A63E304}"/>
-          </ac:spMkLst>
-        </pc:spChg>
-        <pc:picChg chg="add mod">
-          <ac:chgData name="Karl Schubert" userId="ce3f3253-eece-415f-945c-f8827054ec22" providerId="ADAL" clId="{4997F427-73FB-411A-A3D9-A17441FC6E2E}" dt="2020-07-02T20:48:39.986" v="3321" actId="1076"/>
-          <ac:picMkLst>
-            <pc:docMk/>
-            <pc:sldMk cId="1569138361" sldId="295"/>
-            <ac:picMk id="4" creationId="{5370EA59-4700-416A-8ECA-F238EB870D02}"/>
-          </ac:picMkLst>
-        </pc:picChg>
-      </pc:sldChg>
-      <pc:sldChg chg="addSp modSp add">
-        <pc:chgData name="Karl Schubert" userId="ce3f3253-eece-415f-945c-f8827054ec22" providerId="ADAL" clId="{4997F427-73FB-411A-A3D9-A17441FC6E2E}" dt="2020-07-02T20:51:01.996" v="3417" actId="20577"/>
-        <pc:sldMkLst>
-          <pc:docMk/>
-          <pc:sldMk cId="642930826" sldId="296"/>
-        </pc:sldMkLst>
-        <pc:spChg chg="mod">
-          <ac:chgData name="Karl Schubert" userId="ce3f3253-eece-415f-945c-f8827054ec22" providerId="ADAL" clId="{4997F427-73FB-411A-A3D9-A17441FC6E2E}" dt="2020-07-02T20:51:01.996" v="3417" actId="20577"/>
-          <ac:spMkLst>
-            <pc:docMk/>
-            <pc:sldMk cId="642930826" sldId="296"/>
-            <ac:spMk id="2" creationId="{4FE903D1-6E08-404F-8D5D-B402F27FBA90}"/>
-          </ac:spMkLst>
-        </pc:spChg>
-        <pc:picChg chg="add mod">
-          <ac:chgData name="Karl Schubert" userId="ce3f3253-eece-415f-945c-f8827054ec22" providerId="ADAL" clId="{4997F427-73FB-411A-A3D9-A17441FC6E2E}" dt="2020-07-02T20:50:52.266" v="3384" actId="1076"/>
-          <ac:picMkLst>
-            <pc:docMk/>
-            <pc:sldMk cId="642930826" sldId="296"/>
-            <ac:picMk id="4" creationId="{15B2F3BB-5379-4AB2-ADBD-7473C529B8D0}"/>
-          </ac:picMkLst>
-        </pc:picChg>
-      </pc:sldChg>
-      <pc:sldChg chg="addSp modSp add">
-        <pc:chgData name="Karl Schubert" userId="ce3f3253-eece-415f-945c-f8827054ec22" providerId="ADAL" clId="{4997F427-73FB-411A-A3D9-A17441FC6E2E}" dt="2020-07-02T20:50:46.577" v="3383" actId="20577"/>
-        <pc:sldMkLst>
-          <pc:docMk/>
-          <pc:sldMk cId="529007937" sldId="297"/>
-        </pc:sldMkLst>
-        <pc:spChg chg="mod">
-          <ac:chgData name="Karl Schubert" userId="ce3f3253-eece-415f-945c-f8827054ec22" providerId="ADAL" clId="{4997F427-73FB-411A-A3D9-A17441FC6E2E}" dt="2020-07-02T20:50:46.577" v="3383" actId="20577"/>
-          <ac:spMkLst>
-            <pc:docMk/>
-            <pc:sldMk cId="529007937" sldId="297"/>
-            <ac:spMk id="2" creationId="{0710668D-BCD7-4052-AF00-121686AFF841}"/>
-          </ac:spMkLst>
-        </pc:spChg>
-        <pc:picChg chg="add mod">
-          <ac:chgData name="Karl Schubert" userId="ce3f3253-eece-415f-945c-f8827054ec22" providerId="ADAL" clId="{4997F427-73FB-411A-A3D9-A17441FC6E2E}" dt="2020-07-02T20:49:24.766" v="3326" actId="1076"/>
-          <ac:picMkLst>
-            <pc:docMk/>
-            <pc:sldMk cId="529007937" sldId="297"/>
-            <ac:picMk id="4" creationId="{8EB2A6E9-6889-4999-8AAE-2A236CFF285F}"/>
-          </ac:picMkLst>
-        </pc:picChg>
-      </pc:sldChg>
-      <pc:sldChg chg="addSp modSp add">
-        <pc:chgData name="Karl Schubert" userId="ce3f3253-eece-415f-945c-f8827054ec22" providerId="ADAL" clId="{4997F427-73FB-411A-A3D9-A17441FC6E2E}" dt="2020-07-02T20:50:37.048" v="3372" actId="20577"/>
-        <pc:sldMkLst>
-          <pc:docMk/>
-          <pc:sldMk cId="2310009138" sldId="298"/>
-        </pc:sldMkLst>
-        <pc:spChg chg="mod">
-          <ac:chgData name="Karl Schubert" userId="ce3f3253-eece-415f-945c-f8827054ec22" providerId="ADAL" clId="{4997F427-73FB-411A-A3D9-A17441FC6E2E}" dt="2020-07-02T20:50:37.048" v="3372" actId="20577"/>
-          <ac:spMkLst>
-            <pc:docMk/>
-            <pc:sldMk cId="2310009138" sldId="298"/>
-            <ac:spMk id="2" creationId="{710EE8C5-CE6A-4F41-BAD1-EBA1DEB17245}"/>
-          </ac:spMkLst>
-        </pc:spChg>
-        <pc:picChg chg="add mod">
-          <ac:chgData name="Karl Schubert" userId="ce3f3253-eece-415f-945c-f8827054ec22" providerId="ADAL" clId="{4997F427-73FB-411A-A3D9-A17441FC6E2E}" dt="2020-07-02T20:50:23.652" v="3329" actId="1076"/>
-          <ac:picMkLst>
-            <pc:docMk/>
-            <pc:sldMk cId="2310009138" sldId="298"/>
-            <ac:picMk id="4" creationId="{6F4E4E64-D368-4EB3-ADD3-2927E9216148}"/>
-          </ac:picMkLst>
-        </pc:picChg>
-      </pc:sldChg>
-      <pc:sldChg chg="del">
-        <pc:chgData name="Karl Schubert" userId="ce3f3253-eece-415f-945c-f8827054ec22" providerId="ADAL" clId="{4997F427-73FB-411A-A3D9-A17441FC6E2E}" dt="2020-07-02T19:06:06.305" v="77" actId="2696"/>
-        <pc:sldMkLst>
-          <pc:docMk/>
-          <pc:sldMk cId="183726356" sldId="301"/>
-        </pc:sldMkLst>
-      </pc:sldChg>
-      <pc:sldChg chg="del">
-        <pc:chgData name="Karl Schubert" userId="ce3f3253-eece-415f-945c-f8827054ec22" providerId="ADAL" clId="{4997F427-73FB-411A-A3D9-A17441FC6E2E}" dt="2020-07-02T19:06:06.298" v="76" actId="2696"/>
-        <pc:sldMkLst>
-          <pc:docMk/>
-          <pc:sldMk cId="3124282118" sldId="306"/>
-        </pc:sldMkLst>
-      </pc:sldChg>
-      <pc:sldChg chg="del">
-        <pc:chgData name="Karl Schubert" userId="ce3f3253-eece-415f-945c-f8827054ec22" providerId="ADAL" clId="{4997F427-73FB-411A-A3D9-A17441FC6E2E}" dt="2020-07-02T19:06:06.321" v="79" actId="2696"/>
-        <pc:sldMkLst>
-          <pc:docMk/>
-          <pc:sldMk cId="3259932528" sldId="307"/>
-        </pc:sldMkLst>
-      </pc:sldChg>
-      <pc:sldChg chg="del">
-        <pc:chgData name="Karl Schubert" userId="ce3f3253-eece-415f-945c-f8827054ec22" providerId="ADAL" clId="{4997F427-73FB-411A-A3D9-A17441FC6E2E}" dt="2020-07-02T19:06:06.313" v="78" actId="2696"/>
-        <pc:sldMkLst>
-          <pc:docMk/>
-          <pc:sldMk cId="3577818421" sldId="308"/>
-        </pc:sldMkLst>
-      </pc:sldChg>
-      <pc:sldChg chg="del">
-        <pc:chgData name="Karl Schubert" userId="ce3f3253-eece-415f-945c-f8827054ec22" providerId="ADAL" clId="{4997F427-73FB-411A-A3D9-A17441FC6E2E}" dt="2020-07-02T19:06:06.327" v="80" actId="2696"/>
-        <pc:sldMkLst>
-          <pc:docMk/>
-          <pc:sldMk cId="2688997071" sldId="312"/>
-        </pc:sldMkLst>
-      </pc:sldChg>
-      <pc:sldChg chg="del">
-        <pc:chgData name="Karl Schubert" userId="ce3f3253-eece-415f-945c-f8827054ec22" providerId="ADAL" clId="{4997F427-73FB-411A-A3D9-A17441FC6E2E}" dt="2020-07-02T19:06:06.360" v="85" actId="2696"/>
-        <pc:sldMkLst>
-          <pc:docMk/>
-          <pc:sldMk cId="1896193197" sldId="313"/>
-        </pc:sldMkLst>
-      </pc:sldChg>
-      <pc:sldChg chg="del">
-        <pc:chgData name="Karl Schubert" userId="ce3f3253-eece-415f-945c-f8827054ec22" providerId="ADAL" clId="{4997F427-73FB-411A-A3D9-A17441FC6E2E}" dt="2020-07-02T19:06:06.290" v="75" actId="2696"/>
-        <pc:sldMkLst>
-          <pc:docMk/>
-          <pc:sldMk cId="3570349022" sldId="314"/>
-        </pc:sldMkLst>
-      </pc:sldChg>
-      <pc:sldChg chg="del">
-        <pc:chgData name="Karl Schubert" userId="ce3f3253-eece-415f-945c-f8827054ec22" providerId="ADAL" clId="{4997F427-73FB-411A-A3D9-A17441FC6E2E}" dt="2020-07-02T19:06:06.357" v="84" actId="2696"/>
-        <pc:sldMkLst>
-          <pc:docMk/>
-          <pc:sldMk cId="999593188" sldId="315"/>
-        </pc:sldMkLst>
-      </pc:sldChg>
-      <pc:sldChg chg="del">
-        <pc:chgData name="Karl Schubert" userId="ce3f3253-eece-415f-945c-f8827054ec22" providerId="ADAL" clId="{4997F427-73FB-411A-A3D9-A17441FC6E2E}" dt="2020-07-02T19:06:06.342" v="82" actId="2696"/>
-        <pc:sldMkLst>
-          <pc:docMk/>
-          <pc:sldMk cId="1616769450" sldId="316"/>
-        </pc:sldMkLst>
-      </pc:sldChg>
-    </pc:docChg>
-  </pc:docChgLst>
-  <pc:docChgLst>
-    <pc:chgData name="Karl Schubert" userId="ce3f3253-eece-415f-945c-f8827054ec22" providerId="ADAL" clId="{D919D580-A063-40BB-B84C-FFBA6D562127}"/>
-    <pc:docChg chg="undo custSel modSld">
-      <pc:chgData name="Karl Schubert" userId="ce3f3253-eece-415f-945c-f8827054ec22" providerId="ADAL" clId="{D919D580-A063-40BB-B84C-FFBA6D562127}" dt="2020-06-04T01:27:19.623" v="308" actId="14100"/>
-      <pc:docMkLst>
-        <pc:docMk/>
-      </pc:docMkLst>
-      <pc:sldChg chg="modSp">
-        <pc:chgData name="Karl Schubert" userId="ce3f3253-eece-415f-945c-f8827054ec22" providerId="ADAL" clId="{D919D580-A063-40BB-B84C-FFBA6D562127}" dt="2020-06-04T00:53:29.243" v="6" actId="20577"/>
-        <pc:sldMkLst>
-          <pc:docMk/>
-          <pc:sldMk cId="2269452036" sldId="269"/>
-        </pc:sldMkLst>
-        <pc:spChg chg="mod">
-          <ac:chgData name="Karl Schubert" userId="ce3f3253-eece-415f-945c-f8827054ec22" providerId="ADAL" clId="{D919D580-A063-40BB-B84C-FFBA6D562127}" dt="2020-06-04T00:53:29.243" v="6" actId="20577"/>
-          <ac:spMkLst>
-            <pc:docMk/>
-            <pc:sldMk cId="2269452036" sldId="269"/>
-            <ac:spMk id="3" creationId="{00000000-0000-0000-0000-000000000000}"/>
-          </ac:spMkLst>
-        </pc:spChg>
-      </pc:sldChg>
-      <pc:sldChg chg="addSp delSp modSp">
-        <pc:chgData name="Karl Schubert" userId="ce3f3253-eece-415f-945c-f8827054ec22" providerId="ADAL" clId="{D919D580-A063-40BB-B84C-FFBA6D562127}" dt="2020-06-04T01:17:49.349" v="128" actId="1076"/>
-        <pc:sldMkLst>
-          <pc:docMk/>
-          <pc:sldMk cId="2447582847" sldId="285"/>
-        </pc:sldMkLst>
-        <pc:picChg chg="add mod">
-          <ac:chgData name="Karl Schubert" userId="ce3f3253-eece-415f-945c-f8827054ec22" providerId="ADAL" clId="{D919D580-A063-40BB-B84C-FFBA6D562127}" dt="2020-06-04T01:17:49.349" v="128" actId="1076"/>
-          <ac:picMkLst>
-            <pc:docMk/>
-            <pc:sldMk cId="2447582847" sldId="285"/>
-            <ac:picMk id="3" creationId="{4B54478F-9C22-4D7D-A7C3-AD6CE5B46FAA}"/>
-          </ac:picMkLst>
-        </pc:picChg>
-        <pc:picChg chg="del">
-          <ac:chgData name="Karl Schubert" userId="ce3f3253-eece-415f-945c-f8827054ec22" providerId="ADAL" clId="{D919D580-A063-40BB-B84C-FFBA6D562127}" dt="2020-06-04T01:17:46.678" v="126" actId="478"/>
-          <ac:picMkLst>
-            <pc:docMk/>
-            <pc:sldMk cId="2447582847" sldId="285"/>
-            <ac:picMk id="9" creationId="{5015875C-B709-4382-9CEF-4565E5CC58A0}"/>
-          </ac:picMkLst>
-        </pc:picChg>
-      </pc:sldChg>
-      <pc:sldChg chg="addSp delSp modSp">
-        <pc:chgData name="Karl Schubert" userId="ce3f3253-eece-415f-945c-f8827054ec22" providerId="ADAL" clId="{D919D580-A063-40BB-B84C-FFBA6D562127}" dt="2020-06-04T01:25:00.944" v="182" actId="20577"/>
-        <pc:sldMkLst>
-          <pc:docMk/>
-          <pc:sldMk cId="1472589221" sldId="287"/>
-        </pc:sldMkLst>
-        <pc:spChg chg="mod">
-          <ac:chgData name="Karl Schubert" userId="ce3f3253-eece-415f-945c-f8827054ec22" providerId="ADAL" clId="{D919D580-A063-40BB-B84C-FFBA6D562127}" dt="2020-06-04T01:21:15.122" v="168" actId="20577"/>
-          <ac:spMkLst>
-            <pc:docMk/>
-            <pc:sldMk cId="1472589221" sldId="287"/>
-            <ac:spMk id="4" creationId="{00000000-0000-0000-0000-000000000000}"/>
-          </ac:spMkLst>
-        </pc:spChg>
-        <pc:spChg chg="mod">
-          <ac:chgData name="Karl Schubert" userId="ce3f3253-eece-415f-945c-f8827054ec22" providerId="ADAL" clId="{D919D580-A063-40BB-B84C-FFBA6D562127}" dt="2020-06-04T01:25:00.944" v="182" actId="20577"/>
-          <ac:spMkLst>
-            <pc:docMk/>
-            <pc:sldMk cId="1472589221" sldId="287"/>
-            <ac:spMk id="8" creationId="{00000000-0000-0000-0000-000000000000}"/>
-          </ac:spMkLst>
-        </pc:spChg>
-        <pc:picChg chg="add mod">
-          <ac:chgData name="Karl Schubert" userId="ce3f3253-eece-415f-945c-f8827054ec22" providerId="ADAL" clId="{D919D580-A063-40BB-B84C-FFBA6D562127}" dt="2020-06-04T01:19:46.243" v="138" actId="1076"/>
-          <ac:picMkLst>
-            <pc:docMk/>
-            <pc:sldMk cId="1472589221" sldId="287"/>
-            <ac:picMk id="3" creationId="{4D0784F3-3E5D-4CA8-AA80-1BF54798AED4}"/>
-          </ac:picMkLst>
-        </pc:picChg>
-        <pc:picChg chg="add mod">
-          <ac:chgData name="Karl Schubert" userId="ce3f3253-eece-415f-945c-f8827054ec22" providerId="ADAL" clId="{D919D580-A063-40BB-B84C-FFBA6D562127}" dt="2020-06-04T01:20:08.277" v="143" actId="1076"/>
-          <ac:picMkLst>
-            <pc:docMk/>
-            <pc:sldMk cId="1472589221" sldId="287"/>
-            <ac:picMk id="5" creationId="{AAC7F013-C1AA-4C03-AC7C-661AF329B17C}"/>
-          </ac:picMkLst>
-        </pc:picChg>
-        <pc:picChg chg="del">
-          <ac:chgData name="Karl Schubert" userId="ce3f3253-eece-415f-945c-f8827054ec22" providerId="ADAL" clId="{D919D580-A063-40BB-B84C-FFBA6D562127}" dt="2020-06-04T01:19:28.548" v="135" actId="478"/>
-          <ac:picMkLst>
-            <pc:docMk/>
-            <pc:sldMk cId="1472589221" sldId="287"/>
-            <ac:picMk id="6" creationId="{8612616F-882A-4B66-9098-7619B18700C9}"/>
-          </ac:picMkLst>
-        </pc:picChg>
-        <pc:picChg chg="del">
-          <ac:chgData name="Karl Schubert" userId="ce3f3253-eece-415f-945c-f8827054ec22" providerId="ADAL" clId="{D919D580-A063-40BB-B84C-FFBA6D562127}" dt="2020-06-04T01:19:29.060" v="136" actId="478"/>
-          <ac:picMkLst>
-            <pc:docMk/>
-            <pc:sldMk cId="1472589221" sldId="287"/>
-            <ac:picMk id="11" creationId="{FC88CBBF-CA0E-4F9B-9BA3-C38EE3B9189B}"/>
-          </ac:picMkLst>
-        </pc:picChg>
-      </pc:sldChg>
-      <pc:sldChg chg="addSp delSp modSp">
-        <pc:chgData name="Karl Schubert" userId="ce3f3253-eece-415f-945c-f8827054ec22" providerId="ADAL" clId="{D919D580-A063-40BB-B84C-FFBA6D562127}" dt="2020-06-04T01:24:24.321" v="180" actId="6549"/>
-        <pc:sldMkLst>
-          <pc:docMk/>
-          <pc:sldMk cId="183726356" sldId="301"/>
-        </pc:sldMkLst>
-        <pc:spChg chg="mod">
-          <ac:chgData name="Karl Schubert" userId="ce3f3253-eece-415f-945c-f8827054ec22" providerId="ADAL" clId="{D919D580-A063-40BB-B84C-FFBA6D562127}" dt="2020-06-04T01:24:24.321" v="180" actId="6549"/>
-          <ac:spMkLst>
-            <pc:docMk/>
-            <pc:sldMk cId="183726356" sldId="301"/>
-            <ac:spMk id="8" creationId="{00000000-0000-0000-0000-000000000000}"/>
-          </ac:spMkLst>
-        </pc:spChg>
-        <pc:picChg chg="del">
-          <ac:chgData name="Karl Schubert" userId="ce3f3253-eece-415f-945c-f8827054ec22" providerId="ADAL" clId="{D919D580-A063-40BB-B84C-FFBA6D562127}" dt="2020-06-04T01:12:19.274" v="98" actId="478"/>
-          <ac:picMkLst>
-            <pc:docMk/>
-            <pc:sldMk cId="183726356" sldId="301"/>
-            <ac:picMk id="3" creationId="{48213649-D50F-43F4-82C4-E3009433DB99}"/>
-          </ac:picMkLst>
-        </pc:picChg>
-        <pc:picChg chg="add mod">
-          <ac:chgData name="Karl Schubert" userId="ce3f3253-eece-415f-945c-f8827054ec22" providerId="ADAL" clId="{D919D580-A063-40BB-B84C-FFBA6D562127}" dt="2020-06-04T01:12:23.583" v="100" actId="1076"/>
-          <ac:picMkLst>
-            <pc:docMk/>
-            <pc:sldMk cId="183726356" sldId="301"/>
-            <ac:picMk id="5" creationId="{5F954FDF-B52A-425B-9DB1-BA7765CB40EE}"/>
-          </ac:picMkLst>
-        </pc:picChg>
-        <pc:picChg chg="add mod">
-          <ac:chgData name="Karl Schubert" userId="ce3f3253-eece-415f-945c-f8827054ec22" providerId="ADAL" clId="{D919D580-A063-40BB-B84C-FFBA6D562127}" dt="2020-06-04T01:13:17.868" v="103" actId="1076"/>
-          <ac:picMkLst>
-            <pc:docMk/>
-            <pc:sldMk cId="183726356" sldId="301"/>
-            <ac:picMk id="6" creationId="{F700D495-1C5B-4554-BC80-914181712987}"/>
-          </ac:picMkLst>
-        </pc:picChg>
-        <pc:picChg chg="del">
-          <ac:chgData name="Karl Schubert" userId="ce3f3253-eece-415f-945c-f8827054ec22" providerId="ADAL" clId="{D919D580-A063-40BB-B84C-FFBA6D562127}" dt="2020-06-04T01:12:26.571" v="101" actId="478"/>
-          <ac:picMkLst>
-            <pc:docMk/>
-            <pc:sldMk cId="183726356" sldId="301"/>
-            <ac:picMk id="7" creationId="{8DD81323-87A7-474E-89A0-FA31E4BB2BE1}"/>
-          </ac:picMkLst>
-        </pc:picChg>
-      </pc:sldChg>
-      <pc:sldChg chg="addSp delSp modSp">
-        <pc:chgData name="Karl Schubert" userId="ce3f3253-eece-415f-945c-f8827054ec22" providerId="ADAL" clId="{D919D580-A063-40BB-B84C-FFBA6D562127}" dt="2020-06-04T01:27:19.623" v="308" actId="14100"/>
-        <pc:sldMkLst>
-          <pc:docMk/>
-          <pc:sldMk cId="3124282118" sldId="306"/>
-        </pc:sldMkLst>
-        <pc:spChg chg="mod">
-          <ac:chgData name="Karl Schubert" userId="ce3f3253-eece-415f-945c-f8827054ec22" providerId="ADAL" clId="{D919D580-A063-40BB-B84C-FFBA6D562127}" dt="2020-06-04T01:05:44.389" v="89" actId="20577"/>
-          <ac:spMkLst>
-            <pc:docMk/>
-            <pc:sldMk cId="3124282118" sldId="306"/>
-            <ac:spMk id="3" creationId="{00000000-0000-0000-0000-000000000000}"/>
-          </ac:spMkLst>
-        </pc:spChg>
-        <pc:spChg chg="mod">
-          <ac:chgData name="Karl Schubert" userId="ce3f3253-eece-415f-945c-f8827054ec22" providerId="ADAL" clId="{D919D580-A063-40BB-B84C-FFBA6D562127}" dt="2020-06-04T01:12:01.649" v="97" actId="20577"/>
-          <ac:spMkLst>
-            <pc:docMk/>
-            <pc:sldMk cId="3124282118" sldId="306"/>
-            <ac:spMk id="8" creationId="{00000000-0000-0000-0000-000000000000}"/>
-          </ac:spMkLst>
-        </pc:spChg>
-        <pc:spChg chg="mod">
-          <ac:chgData name="Karl Schubert" userId="ce3f3253-eece-415f-945c-f8827054ec22" providerId="ADAL" clId="{D919D580-A063-40BB-B84C-FFBA6D562127}" dt="2020-06-04T01:25:50.685" v="183" actId="1076"/>
-          <ac:spMkLst>
-            <pc:docMk/>
-            <pc:sldMk cId="3124282118" sldId="306"/>
-            <ac:spMk id="9" creationId="{00000000-0000-0000-0000-000000000000}"/>
-          </ac:spMkLst>
-        </pc:spChg>
-        <pc:spChg chg="add del">
-          <ac:chgData name="Karl Schubert" userId="ce3f3253-eece-415f-945c-f8827054ec22" providerId="ADAL" clId="{D919D580-A063-40BB-B84C-FFBA6D562127}" dt="2020-06-04T01:25:56.521" v="185"/>
-          <ac:spMkLst>
-            <pc:docMk/>
-            <pc:sldMk cId="3124282118" sldId="306"/>
-            <ac:spMk id="10" creationId="{1618D31E-8B68-4700-9C5D-F7B9ABA0835B}"/>
-          </ac:spMkLst>
-        </pc:spChg>
-        <pc:spChg chg="add mod">
-          <ac:chgData name="Karl Schubert" userId="ce3f3253-eece-415f-945c-f8827054ec22" providerId="ADAL" clId="{D919D580-A063-40BB-B84C-FFBA6D562127}" dt="2020-06-04T01:26:54.048" v="307" actId="20577"/>
-          <ac:spMkLst>
-            <pc:docMk/>
-            <pc:sldMk cId="3124282118" sldId="306"/>
-            <ac:spMk id="11" creationId="{D20ED764-62CD-4444-80C0-FC9A84581674}"/>
-          </ac:spMkLst>
-        </pc:spChg>
-        <pc:picChg chg="del">
-          <ac:chgData name="Karl Schubert" userId="ce3f3253-eece-415f-945c-f8827054ec22" providerId="ADAL" clId="{D919D580-A063-40BB-B84C-FFBA6D562127}" dt="2020-06-04T01:11:26.533" v="93" actId="478"/>
-          <ac:picMkLst>
-            <pc:docMk/>
-            <pc:sldMk cId="3124282118" sldId="306"/>
-            <ac:picMk id="5" creationId="{52AECBCC-F3E8-43A2-83A0-F0C1F95CFE0E}"/>
-          </ac:picMkLst>
-        </pc:picChg>
-        <pc:picChg chg="add mod">
-          <ac:chgData name="Karl Schubert" userId="ce3f3253-eece-415f-945c-f8827054ec22" providerId="ADAL" clId="{D919D580-A063-40BB-B84C-FFBA6D562127}" dt="2020-06-04T01:27:19.623" v="308" actId="14100"/>
-          <ac:picMkLst>
-            <pc:docMk/>
-            <pc:sldMk cId="3124282118" sldId="306"/>
-            <ac:picMk id="6" creationId="{C2B5E15F-1617-4B76-8810-5980DE522D6F}"/>
-          </ac:picMkLst>
-        </pc:picChg>
-      </pc:sldChg>
-      <pc:sldChg chg="addSp delSp modSp">
-        <pc:chgData name="Karl Schubert" userId="ce3f3253-eece-415f-945c-f8827054ec22" providerId="ADAL" clId="{D919D580-A063-40BB-B84C-FFBA6D562127}" dt="2020-06-04T01:16:07.039" v="119" actId="1076"/>
-        <pc:sldMkLst>
-          <pc:docMk/>
-          <pc:sldMk cId="3259932528" sldId="307"/>
-        </pc:sldMkLst>
-        <pc:picChg chg="del">
-          <ac:chgData name="Karl Schubert" userId="ce3f3253-eece-415f-945c-f8827054ec22" providerId="ADAL" clId="{D919D580-A063-40BB-B84C-FFBA6D562127}" dt="2020-06-04T01:15:35.796" v="114" actId="478"/>
-          <ac:picMkLst>
-            <pc:docMk/>
-            <pc:sldMk cId="3259932528" sldId="307"/>
-            <ac:picMk id="3" creationId="{415C50DD-B6DC-4DD2-BAE0-1ED29ACD388F}"/>
-          </ac:picMkLst>
-        </pc:picChg>
-        <pc:picChg chg="add del mod">
-          <ac:chgData name="Karl Schubert" userId="ce3f3253-eece-415f-945c-f8827054ec22" providerId="ADAL" clId="{D919D580-A063-40BB-B84C-FFBA6D562127}" dt="2020-06-04T01:16:03.968" v="117" actId="478"/>
-          <ac:picMkLst>
-            <pc:docMk/>
-            <pc:sldMk cId="3259932528" sldId="307"/>
-            <ac:picMk id="5" creationId="{AE2D2374-CCEA-4C86-A050-9D477412539D}"/>
-          </ac:picMkLst>
-        </pc:picChg>
-        <pc:picChg chg="add mod">
-          <ac:chgData name="Karl Schubert" userId="ce3f3253-eece-415f-945c-f8827054ec22" providerId="ADAL" clId="{D919D580-A063-40BB-B84C-FFBA6D562127}" dt="2020-06-04T01:16:07.039" v="119" actId="1076"/>
-          <ac:picMkLst>
-            <pc:docMk/>
-            <pc:sldMk cId="3259932528" sldId="307"/>
-            <ac:picMk id="6" creationId="{48DD1674-93C8-4BB0-9F37-07EB1400CF10}"/>
-          </ac:picMkLst>
-        </pc:picChg>
-      </pc:sldChg>
-      <pc:sldChg chg="addSp delSp modSp">
-        <pc:chgData name="Karl Schubert" userId="ce3f3253-eece-415f-945c-f8827054ec22" providerId="ADAL" clId="{D919D580-A063-40BB-B84C-FFBA6D562127}" dt="2020-06-04T01:15:22.477" v="113" actId="1076"/>
-        <pc:sldMkLst>
-          <pc:docMk/>
-          <pc:sldMk cId="3577818421" sldId="308"/>
-        </pc:sldMkLst>
-        <pc:picChg chg="add mod">
-          <ac:chgData name="Karl Schubert" userId="ce3f3253-eece-415f-945c-f8827054ec22" providerId="ADAL" clId="{D919D580-A063-40BB-B84C-FFBA6D562127}" dt="2020-06-04T01:14:58.757" v="111" actId="1076"/>
-          <ac:picMkLst>
-            <pc:docMk/>
-            <pc:sldMk cId="3577818421" sldId="308"/>
-            <ac:picMk id="3" creationId="{79195193-C564-43FB-85DF-A2C7969890DA}"/>
-          </ac:picMkLst>
-        </pc:picChg>
-        <pc:picChg chg="add mod">
-          <ac:chgData name="Karl Schubert" userId="ce3f3253-eece-415f-945c-f8827054ec22" providerId="ADAL" clId="{D919D580-A063-40BB-B84C-FFBA6D562127}" dt="2020-06-04T01:14:57.078" v="110" actId="1076"/>
-          <ac:picMkLst>
-            <pc:docMk/>
-            <pc:sldMk cId="3577818421" sldId="308"/>
-            <ac:picMk id="5" creationId="{642BA785-FBD3-46BD-82D7-763FA20181F6}"/>
-          </ac:picMkLst>
-        </pc:picChg>
-        <pc:picChg chg="del">
-          <ac:chgData name="Karl Schubert" userId="ce3f3253-eece-415f-945c-f8827054ec22" providerId="ADAL" clId="{D919D580-A063-40BB-B84C-FFBA6D562127}" dt="2020-06-04T01:13:26.756" v="104" actId="478"/>
-          <ac:picMkLst>
-            <pc:docMk/>
-            <pc:sldMk cId="3577818421" sldId="308"/>
-            <ac:picMk id="6" creationId="{B85F1DBB-65E5-44E4-BA63-C828DB35B12A}"/>
-          </ac:picMkLst>
-        </pc:picChg>
-        <pc:picChg chg="del">
-          <ac:chgData name="Karl Schubert" userId="ce3f3253-eece-415f-945c-f8827054ec22" providerId="ADAL" clId="{D919D580-A063-40BB-B84C-FFBA6D562127}" dt="2020-06-04T01:13:27.219" v="105" actId="478"/>
-          <ac:picMkLst>
-            <pc:docMk/>
-            <pc:sldMk cId="3577818421" sldId="308"/>
-            <ac:picMk id="7" creationId="{3CAB77D0-79C6-471D-92D7-E2E06BEDB3E2}"/>
-          </ac:picMkLst>
-        </pc:picChg>
-        <pc:picChg chg="add mod">
-          <ac:chgData name="Karl Schubert" userId="ce3f3253-eece-415f-945c-f8827054ec22" providerId="ADAL" clId="{D919D580-A063-40BB-B84C-FFBA6D562127}" dt="2020-06-04T01:15:22.477" v="113" actId="1076"/>
-          <ac:picMkLst>
-            <pc:docMk/>
-            <pc:sldMk cId="3577818421" sldId="308"/>
-            <ac:picMk id="9" creationId="{116F8C79-EBC1-47F5-B555-A08CCADD47D3}"/>
-          </ac:picMkLst>
-        </pc:picChg>
-        <pc:picChg chg="del">
-          <ac:chgData name="Karl Schubert" userId="ce3f3253-eece-415f-945c-f8827054ec22" providerId="ADAL" clId="{D919D580-A063-40BB-B84C-FFBA6D562127}" dt="2020-06-04T01:13:27.604" v="106" actId="478"/>
-          <ac:picMkLst>
-            <pc:docMk/>
-            <pc:sldMk cId="3577818421" sldId="308"/>
-            <ac:picMk id="10" creationId="{70847FB9-6A6F-4070-86C3-BCC832FB26BD}"/>
-          </ac:picMkLst>
-        </pc:picChg>
-      </pc:sldChg>
-      <pc:sldChg chg="addSp delSp modSp">
-        <pc:chgData name="Karl Schubert" userId="ce3f3253-eece-415f-945c-f8827054ec22" providerId="ADAL" clId="{D919D580-A063-40BB-B84C-FFBA6D562127}" dt="2020-06-04T01:16:34.331" v="125" actId="1076"/>
-        <pc:sldMkLst>
-          <pc:docMk/>
-          <pc:sldMk cId="2688997071" sldId="312"/>
-        </pc:sldMkLst>
-        <pc:picChg chg="del">
-          <ac:chgData name="Karl Schubert" userId="ce3f3253-eece-415f-945c-f8827054ec22" providerId="ADAL" clId="{D919D580-A063-40BB-B84C-FFBA6D562127}" dt="2020-06-04T01:16:18.755" v="120" actId="478"/>
-          <ac:picMkLst>
-            <pc:docMk/>
-            <pc:sldMk cId="2688997071" sldId="312"/>
-            <ac:picMk id="3" creationId="{F13C9FD6-0A65-4235-A7BD-485C344715EF}"/>
-          </ac:picMkLst>
-        </pc:picChg>
-        <pc:picChg chg="add mod">
-          <ac:chgData name="Karl Schubert" userId="ce3f3253-eece-415f-945c-f8827054ec22" providerId="ADAL" clId="{D919D580-A063-40BB-B84C-FFBA6D562127}" dt="2020-06-04T01:16:22.661" v="122" actId="1076"/>
-          <ac:picMkLst>
-            <pc:docMk/>
-            <pc:sldMk cId="2688997071" sldId="312"/>
-            <ac:picMk id="5" creationId="{FE48C166-AA31-43C9-9D86-A4257090CC13}"/>
-          </ac:picMkLst>
-        </pc:picChg>
-        <pc:picChg chg="del">
-          <ac:chgData name="Karl Schubert" userId="ce3f3253-eece-415f-945c-f8827054ec22" providerId="ADAL" clId="{D919D580-A063-40BB-B84C-FFBA6D562127}" dt="2020-06-04T01:16:23.947" v="123" actId="478"/>
-          <ac:picMkLst>
-            <pc:docMk/>
-            <pc:sldMk cId="2688997071" sldId="312"/>
-            <ac:picMk id="6" creationId="{721DB1B8-DFC4-4BD9-9F2C-2FF27360D1B3}"/>
-          </ac:picMkLst>
-        </pc:picChg>
-        <pc:picChg chg="add mod">
-          <ac:chgData name="Karl Schubert" userId="ce3f3253-eece-415f-945c-f8827054ec22" providerId="ADAL" clId="{D919D580-A063-40BB-B84C-FFBA6D562127}" dt="2020-06-04T01:16:34.331" v="125" actId="1076"/>
-          <ac:picMkLst>
-            <pc:docMk/>
-            <pc:sldMk cId="2688997071" sldId="312"/>
-            <ac:picMk id="7" creationId="{CC667C4D-88A2-45A8-BBFB-7D0C4A58389B}"/>
-          </ac:picMkLst>
-        </pc:picChg>
-      </pc:sldChg>
-      <pc:sldChg chg="modSp">
-        <pc:chgData name="Karl Schubert" userId="ce3f3253-eece-415f-945c-f8827054ec22" providerId="ADAL" clId="{D919D580-A063-40BB-B84C-FFBA6D562127}" dt="2020-06-04T01:22:14.492" v="171" actId="6549"/>
-        <pc:sldMkLst>
-          <pc:docMk/>
-          <pc:sldMk cId="1896193197" sldId="313"/>
-        </pc:sldMkLst>
-        <pc:spChg chg="mod">
-          <ac:chgData name="Karl Schubert" userId="ce3f3253-eece-415f-945c-f8827054ec22" providerId="ADAL" clId="{D919D580-A063-40BB-B84C-FFBA6D562127}" dt="2020-06-04T01:22:14.492" v="171" actId="6549"/>
-          <ac:spMkLst>
-            <pc:docMk/>
-            <pc:sldMk cId="1896193197" sldId="313"/>
-            <ac:spMk id="3" creationId="{00000000-0000-0000-0000-000000000000}"/>
-          </ac:spMkLst>
-        </pc:spChg>
-      </pc:sldChg>
-      <pc:sldChg chg="modSp">
-        <pc:chgData name="Karl Schubert" userId="ce3f3253-eece-415f-945c-f8827054ec22" providerId="ADAL" clId="{D919D580-A063-40BB-B84C-FFBA6D562127}" dt="2020-06-04T01:22:41.870" v="175" actId="113"/>
-        <pc:sldMkLst>
-          <pc:docMk/>
-          <pc:sldMk cId="3570349022" sldId="314"/>
-        </pc:sldMkLst>
-        <pc:spChg chg="mod">
-          <ac:chgData name="Karl Schubert" userId="ce3f3253-eece-415f-945c-f8827054ec22" providerId="ADAL" clId="{D919D580-A063-40BB-B84C-FFBA6D562127}" dt="2020-06-04T01:22:41.870" v="175" actId="113"/>
-          <ac:spMkLst>
-            <pc:docMk/>
-            <pc:sldMk cId="3570349022" sldId="314"/>
-            <ac:spMk id="3" creationId="{0EC2FB01-63E6-429C-8F1D-FC9A32A14F78}"/>
-          </ac:spMkLst>
-        </pc:spChg>
-      </pc:sldChg>
-      <pc:sldChg chg="addSp delSp modSp">
-        <pc:chgData name="Karl Schubert" userId="ce3f3253-eece-415f-945c-f8827054ec22" providerId="ADAL" clId="{D919D580-A063-40BB-B84C-FFBA6D562127}" dt="2020-06-04T01:20:50.239" v="155" actId="20577"/>
-        <pc:sldMkLst>
-          <pc:docMk/>
-          <pc:sldMk cId="999593188" sldId="315"/>
-        </pc:sldMkLst>
-        <pc:spChg chg="del mod">
-          <ac:chgData name="Karl Schubert" userId="ce3f3253-eece-415f-945c-f8827054ec22" providerId="ADAL" clId="{D919D580-A063-40BB-B84C-FFBA6D562127}" dt="2020-06-04T01:20:46.343" v="152" actId="478"/>
-          <ac:spMkLst>
-            <pc:docMk/>
-            <pc:sldMk cId="999593188" sldId="315"/>
-            <ac:spMk id="4" creationId="{076346FD-FC78-41E8-8D50-5A77F9CC22B5}"/>
-          </ac:spMkLst>
-        </pc:spChg>
-        <pc:spChg chg="add mod">
-          <ac:chgData name="Karl Schubert" userId="ce3f3253-eece-415f-945c-f8827054ec22" providerId="ADAL" clId="{D919D580-A063-40BB-B84C-FFBA6D562127}" dt="2020-06-04T01:20:50.239" v="155" actId="20577"/>
-          <ac:spMkLst>
-            <pc:docMk/>
-            <pc:sldMk cId="999593188" sldId="315"/>
-            <ac:spMk id="10" creationId="{22094F8B-39C5-437E-94D2-82A422A20678}"/>
-          </ac:spMkLst>
-        </pc:spChg>
-        <pc:picChg chg="add mod">
-          <ac:chgData name="Karl Schubert" userId="ce3f3253-eece-415f-945c-f8827054ec22" providerId="ADAL" clId="{D919D580-A063-40BB-B84C-FFBA6D562127}" dt="2020-06-04T01:20:30.822" v="147" actId="1076"/>
-          <ac:picMkLst>
-            <pc:docMk/>
-            <pc:sldMk cId="999593188" sldId="315"/>
-            <ac:picMk id="3" creationId="{A86E752A-FC1C-4BFB-A75C-6C1AED767E83}"/>
-          </ac:picMkLst>
-        </pc:picChg>
-        <pc:picChg chg="add mod">
-          <ac:chgData name="Karl Schubert" userId="ce3f3253-eece-415f-945c-f8827054ec22" providerId="ADAL" clId="{D919D580-A063-40BB-B84C-FFBA6D562127}" dt="2020-06-04T01:20:35.461" v="149" actId="1076"/>
-          <ac:picMkLst>
-            <pc:docMk/>
-            <pc:sldMk cId="999593188" sldId="315"/>
-            <ac:picMk id="5" creationId="{2BD607F4-3A65-4C68-BA77-51DD6BF24575}"/>
-          </ac:picMkLst>
-        </pc:picChg>
-        <pc:picChg chg="del">
-          <ac:chgData name="Karl Schubert" userId="ce3f3253-eece-415f-945c-f8827054ec22" providerId="ADAL" clId="{D919D580-A063-40BB-B84C-FFBA6D562127}" dt="2020-06-04T01:20:13.714" v="144" actId="478"/>
-          <ac:picMkLst>
-            <pc:docMk/>
-            <pc:sldMk cId="999593188" sldId="315"/>
-            <ac:picMk id="8" creationId="{B6E2B283-B699-49C6-B9F7-CFEBF816AF15}"/>
-          </ac:picMkLst>
-        </pc:picChg>
-        <pc:picChg chg="del">
-          <ac:chgData name="Karl Schubert" userId="ce3f3253-eece-415f-945c-f8827054ec22" providerId="ADAL" clId="{D919D580-A063-40BB-B84C-FFBA6D562127}" dt="2020-06-04T01:20:16.719" v="145" actId="478"/>
-          <ac:picMkLst>
-            <pc:docMk/>
-            <pc:sldMk cId="999593188" sldId="315"/>
-            <ac:picMk id="9" creationId="{30F95BFC-4C5F-463C-BC89-8FBE37288FF4}"/>
-          </ac:picMkLst>
-        </pc:picChg>
-      </pc:sldChg>
-      <pc:sldChg chg="addSp delSp modSp">
-        <pc:chgData name="Karl Schubert" userId="ce3f3253-eece-415f-945c-f8827054ec22" providerId="ADAL" clId="{D919D580-A063-40BB-B84C-FFBA6D562127}" dt="2020-06-04T01:19:23.847" v="134" actId="1076"/>
-        <pc:sldMkLst>
-          <pc:docMk/>
-          <pc:sldMk cId="1616769450" sldId="316"/>
-        </pc:sldMkLst>
-        <pc:picChg chg="add mod">
-          <ac:chgData name="Karl Schubert" userId="ce3f3253-eece-415f-945c-f8827054ec22" providerId="ADAL" clId="{D919D580-A063-40BB-B84C-FFBA6D562127}" dt="2020-06-04T01:19:12.957" v="132" actId="1076"/>
-          <ac:picMkLst>
-            <pc:docMk/>
-            <pc:sldMk cId="1616769450" sldId="316"/>
-            <ac:picMk id="3" creationId="{CE642029-D82F-44E5-A169-6443060F2274}"/>
-          </ac:picMkLst>
-        </pc:picChg>
-        <pc:picChg chg="del">
-          <ac:chgData name="Karl Schubert" userId="ce3f3253-eece-415f-945c-f8827054ec22" providerId="ADAL" clId="{D919D580-A063-40BB-B84C-FFBA6D562127}" dt="2020-06-04T01:19:01.372" v="130" actId="478"/>
-          <ac:picMkLst>
-            <pc:docMk/>
-            <pc:sldMk cId="1616769450" sldId="316"/>
-            <ac:picMk id="5" creationId="{205DB418-74DD-47C0-AC98-8D464F8CF73E}"/>
-          </ac:picMkLst>
-        </pc:picChg>
-        <pc:picChg chg="add mod">
-          <ac:chgData name="Karl Schubert" userId="ce3f3253-eece-415f-945c-f8827054ec22" providerId="ADAL" clId="{D919D580-A063-40BB-B84C-FFBA6D562127}" dt="2020-06-04T01:19:23.847" v="134" actId="1076"/>
-          <ac:picMkLst>
-            <pc:docMk/>
-            <pc:sldMk cId="1616769450" sldId="316"/>
-            <ac:picMk id="6" creationId="{0B712F52-240D-4D85-B1CD-7C2FE0D90386}"/>
-          </ac:picMkLst>
-        </pc:picChg>
-        <pc:picChg chg="del">
-          <ac:chgData name="Karl Schubert" userId="ce3f3253-eece-415f-945c-f8827054ec22" providerId="ADAL" clId="{D919D580-A063-40BB-B84C-FFBA6D562127}" dt="2020-06-04T01:19:01.072" v="129" actId="478"/>
-          <ac:picMkLst>
-            <pc:docMk/>
-            <pc:sldMk cId="1616769450" sldId="316"/>
-            <ac:picMk id="9" creationId="{99F0ADF9-25AD-4E90-8C65-84F05700385A}"/>
-          </ac:picMkLst>
-        </pc:picChg>
       </pc:sldChg>
     </pc:docChg>
   </pc:docChgLst>
@@ -1405,7 +279,7 @@
           <a:p>
             <a:fld id="{47C25C99-F02B-4C2B-8B03-F4B6E796D864}" type="datetimeFigureOut">
               <a:rPr lang="en-US" smtClean="0"/>
-              <a:t>7/2/2020</a:t>
+              <a:t>7/6/2020</a:t>
             </a:fld>
             <a:endParaRPr lang="en-US"/>
           </a:p>
@@ -1570,7 +444,7 @@
           <a:p>
             <a:fld id="{EBC98456-22EE-4E41-B149-3C903A1E2883}" type="datetimeFigureOut">
               <a:rPr lang="en-US" smtClean="0"/>
-              <a:t>7/2/2020</a:t>
+              <a:t>7/6/2020</a:t>
             </a:fld>
             <a:endParaRPr lang="en-US"/>
           </a:p>
@@ -3033,7 +1907,7 @@
           <a:p>
             <a:fld id="{A2D33E9E-967B-4F7A-A018-044C24FC5D55}" type="datetimeFigureOut">
               <a:rPr lang="en-US" smtClean="0"/>
-              <a:t>7/2/2020</a:t>
+              <a:t>7/6/2020</a:t>
             </a:fld>
             <a:endParaRPr lang="en-US"/>
           </a:p>
@@ -10963,7 +9837,7 @@
           <a:p>
             <a:fld id="{A2D33E9E-967B-4F7A-A018-044C24FC5D55}" type="datetimeFigureOut">
               <a:rPr lang="en-US" smtClean="0"/>
-              <a:t>7/2/2020</a:t>
+              <a:t>7/6/2020</a:t>
             </a:fld>
             <a:endParaRPr lang="en-US"/>
           </a:p>
@@ -12573,7 +11447,7 @@
             <a:pPr lvl="1"/>
             <a:r>
               <a:rPr lang="en-US" dirty="0"/>
-              <a:t>Our business is too complex to keep doing what we are doing and expect to become profitable</a:t>
+              <a:t>Our business is too complex to keep doing what we are doing and expect to improve our financial performance</a:t>
             </a:r>
           </a:p>
           <a:p>
@@ -12593,7 +11467,7 @@
             <a:pPr lvl="1"/>
             <a:r>
               <a:rPr lang="en-US" dirty="0"/>
-              <a:t>Requirements come in frequently for products we do not have stock of</a:t>
+              <a:t>Requirements come in frequently for products for which we have no inventory </a:t>
             </a:r>
           </a:p>
           <a:p>
@@ -12606,14 +11480,14 @@
           <a:p>
             <a:r>
               <a:rPr lang="en-US" dirty="0"/>
-              <a:t>Enter a simulation based approach</a:t>
+              <a:t>Enter a simulation-based approach</a:t>
             </a:r>
           </a:p>
           <a:p>
             <a:pPr lvl="1"/>
             <a:r>
               <a:rPr lang="en-US" dirty="0"/>
-              <a:t>In an effort to test multiple, randomly generated, scenarios I teamed up with my old professor</a:t>
+              <a:t>To test multiple, randomly generated, scenarios I teamed up with my old professor</a:t>
             </a:r>
           </a:p>
           <a:p>
@@ -12704,7 +11578,7 @@
         <p:spPr/>
         <p:txBody>
           <a:bodyPr>
-            <a:normAutofit fontScale="92500" lnSpcReduction="10000"/>
+            <a:normAutofit fontScale="92500" lnSpcReduction="20000"/>
           </a:bodyPr>
           <a:lstStyle/>
           <a:p>
@@ -12752,7 +11626,7 @@
             <a:pPr lvl="2"/>
             <a:r>
               <a:rPr lang="en-US" dirty="0"/>
-              <a:t>Terminals are not reworked to meet requirements, they are flown in instead</a:t>
+              <a:t>Terminals are not reworked to meet requirements; they are air shipped in the exact configurations that are believed to be required</a:t>
             </a:r>
           </a:p>
           <a:p>
@@ -12776,14 +11650,14 @@
             <a:pPr lvl="2"/>
             <a:r>
               <a:rPr lang="en-US" dirty="0"/>
-              <a:t>Components are flown in as required</a:t>
+              <a:t>Components are air shipped as required</a:t>
             </a:r>
           </a:p>
           <a:p>
             <a:pPr lvl="2"/>
             <a:r>
               <a:rPr lang="en-US" dirty="0"/>
-              <a:t>Constant battle with the system</a:t>
+              <a:t>Contradictory messages from MRP system: telling us to expedite material in despite the fact we have plenty of inventory we can use to rework into the product we need.</a:t>
             </a:r>
           </a:p>
           <a:p>
@@ -14635,6 +13509,24 @@
 </file>
 
 <file path=customXml/item1.xml><?xml version="1.0" encoding="utf-8"?>
+<p:properties xmlns:p="http://schemas.microsoft.com/office/2006/metadata/properties" xmlns:xsi="http://www.w3.org/2001/XMLSchema-instance" xmlns:pc="http://schemas.microsoft.com/office/infopath/2007/PartnerControls">
+  <documentManagement>
+    <_ip_UnifiedCompliancePolicyUIAction xmlns="http://schemas.microsoft.com/sharepoint/v3" xsi:nil="true"/>
+    <_ip_UnifiedCompliancePolicyProperties xmlns="http://schemas.microsoft.com/sharepoint/v3" xsi:nil="true"/>
+  </documentManagement>
+</p:properties>
+</file>
+
+<file path=customXml/item2.xml><?xml version="1.0" encoding="utf-8"?>
+<?mso-contentType ?>
+<FormTemplates xmlns="http://schemas.microsoft.com/sharepoint/v3/contenttype/forms">
+  <Display>DocumentLibraryForm</Display>
+  <Edit>DocumentLibraryForm</Edit>
+  <New>DocumentLibraryForm</New>
+</FormTemplates>
+</file>
+
+<file path=customXml/item3.xml><?xml version="1.0" encoding="utf-8"?>
 <ct:contentTypeSchema xmlns:ct="http://schemas.microsoft.com/office/2006/metadata/contentType" xmlns:ma="http://schemas.microsoft.com/office/2006/metadata/properties/metaAttributes" ct:_="" ma:_="" ma:contentTypeName="Document" ma:contentTypeID="0x0101003EF95FB54B1C6945B23797DADA0221C6" ma:contentTypeVersion="14" ma:contentTypeDescription="Create a new document." ma:contentTypeScope="" ma:versionID="8d3843e0c457963f002f4b5a5bee2326">
   <xsd:schema xmlns:xsd="http://www.w3.org/2001/XMLSchema" xmlns:xs="http://www.w3.org/2001/XMLSchema" xmlns:p="http://schemas.microsoft.com/office/2006/metadata/properties" xmlns:ns1="http://schemas.microsoft.com/sharepoint/v3" xmlns:ns3="64cefb42-e3c2-4dc3-b144-1de1c401c1ce" xmlns:ns4="9520cf19-b5d0-4cec-b926-caa658dd91e9" targetNamespace="http://schemas.microsoft.com/office/2006/metadata/properties" ma:root="true" ma:fieldsID="784e33d98d1584d8c6d8715e210251cc" ns1:_="" ns3:_="" ns4:_="">
     <xsd:import namespace="http://schemas.microsoft.com/sharepoint/v3"/>
@@ -14868,25 +13760,25 @@
 </ct:contentTypeSchema>
 </file>
 
-<file path=customXml/item2.xml><?xml version="1.0" encoding="utf-8"?>
-<?mso-contentType ?>
-<FormTemplates xmlns="http://schemas.microsoft.com/sharepoint/v3/contenttype/forms">
-  <Display>DocumentLibraryForm</Display>
-  <Edit>DocumentLibraryForm</Edit>
-  <New>DocumentLibraryForm</New>
-</FormTemplates>
+<file path=customXml/itemProps1.xml><?xml version="1.0" encoding="utf-8"?>
+<ds:datastoreItem xmlns:ds="http://schemas.openxmlformats.org/officeDocument/2006/customXml" ds:itemID="{7D56E10C-9FBE-4513-854F-3A7B11D25156}">
+  <ds:schemaRefs>
+    <ds:schemaRef ds:uri="http://schemas.microsoft.com/office/2006/metadata/properties"/>
+    <ds:schemaRef ds:uri="http://schemas.microsoft.com/office/infopath/2007/PartnerControls"/>
+    <ds:schemaRef ds:uri="http://schemas.microsoft.com/sharepoint/v3"/>
+  </ds:schemaRefs>
+</ds:datastoreItem>
 </file>
 
-<file path=customXml/item3.xml><?xml version="1.0" encoding="utf-8"?>
-<p:properties xmlns:p="http://schemas.microsoft.com/office/2006/metadata/properties" xmlns:xsi="http://www.w3.org/2001/XMLSchema-instance" xmlns:pc="http://schemas.microsoft.com/office/infopath/2007/PartnerControls">
-  <documentManagement>
-    <_ip_UnifiedCompliancePolicyUIAction xmlns="http://schemas.microsoft.com/sharepoint/v3" xsi:nil="true"/>
-    <_ip_UnifiedCompliancePolicyProperties xmlns="http://schemas.microsoft.com/sharepoint/v3" xsi:nil="true"/>
-  </documentManagement>
-</p:properties>
+<file path=customXml/itemProps2.xml><?xml version="1.0" encoding="utf-8"?>
+<ds:datastoreItem xmlns:ds="http://schemas.openxmlformats.org/officeDocument/2006/customXml" ds:itemID="{E63825F8-FCB9-4823-A3F0-FD17DA1AA695}">
+  <ds:schemaRefs>
+    <ds:schemaRef ds:uri="http://schemas.microsoft.com/sharepoint/v3/contenttype/forms"/>
+  </ds:schemaRefs>
+</ds:datastoreItem>
 </file>
 
-<file path=customXml/itemProps1.xml><?xml version="1.0" encoding="utf-8"?>
+<file path=customXml/itemProps3.xml><?xml version="1.0" encoding="utf-8"?>
 <ds:datastoreItem xmlns:ds="http://schemas.openxmlformats.org/officeDocument/2006/customXml" ds:itemID="{92732DB0-86B8-4BA3-8628-1E9E330C55F6}">
   <ds:schemaRefs>
     <ds:schemaRef ds:uri="http://schemas.microsoft.com/office/2006/metadata/contentType"/>
@@ -14904,30 +13796,4 @@
     <ds:schemaRef ds:uri="http://schemas.microsoft.com/internal/obd"/>
   </ds:schemaRefs>
 </ds:datastoreItem>
-</file>
-
-<file path=customXml/itemProps2.xml><?xml version="1.0" encoding="utf-8"?>
-<ds:datastoreItem xmlns:ds="http://schemas.openxmlformats.org/officeDocument/2006/customXml" ds:itemID="{E63825F8-FCB9-4823-A3F0-FD17DA1AA695}">
-  <ds:schemaRefs>
-    <ds:schemaRef ds:uri="http://schemas.microsoft.com/sharepoint/v3/contenttype/forms"/>
-  </ds:schemaRefs>
-</ds:datastoreItem>
-</file>
-
-<file path=customXml/itemProps3.xml><?xml version="1.0" encoding="utf-8"?>
-<ds:datastoreItem xmlns:ds="http://schemas.openxmlformats.org/officeDocument/2006/customXml" ds:itemID="{7D56E10C-9FBE-4513-854F-3A7B11D25156}">
-  <ds:schemaRefs>
-    <ds:schemaRef ds:uri="http://purl.org/dc/dcmitype/"/>
-    <ds:schemaRef ds:uri="http://schemas.microsoft.com/sharepoint/v3"/>
-    <ds:schemaRef ds:uri="http://schemas.microsoft.com/office/2006/documentManagement/types"/>
-    <ds:schemaRef ds:uri="http://schemas.microsoft.com/office/2006/metadata/properties"/>
-    <ds:schemaRef ds:uri="9520cf19-b5d0-4cec-b926-caa658dd91e9"/>
-    <ds:schemaRef ds:uri="http://schemas.microsoft.com/office/infopath/2007/PartnerControls"/>
-    <ds:schemaRef ds:uri="http://purl.org/dc/terms/"/>
-    <ds:schemaRef ds:uri="http://schemas.openxmlformats.org/package/2006/metadata/core-properties"/>
-    <ds:schemaRef ds:uri="64cefb42-e3c2-4dc3-b144-1de1c401c1ce"/>
-    <ds:schemaRef ds:uri="http://www.w3.org/XML/1998/namespace"/>
-    <ds:schemaRef ds:uri="http://purl.org/dc/elements/1.1/"/>
-  </ds:schemaRefs>
-</ds:datastoreItem>
 </file>
--- a/Presentation.pptx
+++ b/Presentation.pptx
@@ -153,50 +153,6 @@
 </p1510:revInfo>
 </file>
 
-<file path=ppt/changesInfos/changesInfo1.xml><?xml version="1.0" encoding="utf-8"?>
-<pc:chgInfo xmlns:a="http://schemas.openxmlformats.org/drawingml/2006/main" xmlns:r="http://schemas.openxmlformats.org/officeDocument/2006/relationships" xmlns:ac="http://schemas.microsoft.com/office/drawing/2013/main/command" xmlns:pc="http://schemas.microsoft.com/office/powerpoint/2013/main/command">
-  <pc:docChgLst>
-    <pc:chgData name="Karl Schubert" userId="ce3f3253-eece-415f-945c-f8827054ec22" providerId="ADAL" clId="{E185ADC7-5CC4-429A-9579-94A759389659}"/>
-    <pc:docChg chg="custSel modSld">
-      <pc:chgData name="Karl Schubert" userId="ce3f3253-eece-415f-945c-f8827054ec22" providerId="ADAL" clId="{E185ADC7-5CC4-429A-9579-94A759389659}" dt="2020-07-06T15:20:09.805" v="79" actId="33524"/>
-      <pc:docMkLst>
-        <pc:docMk/>
-      </pc:docMkLst>
-      <pc:sldChg chg="modSp">
-        <pc:chgData name="Karl Schubert" userId="ce3f3253-eece-415f-945c-f8827054ec22" providerId="ADAL" clId="{E185ADC7-5CC4-429A-9579-94A759389659}" dt="2020-07-06T15:20:00.761" v="78" actId="33524"/>
-        <pc:sldMkLst>
-          <pc:docMk/>
-          <pc:sldMk cId="1046730459" sldId="289"/>
-        </pc:sldMkLst>
-        <pc:spChg chg="mod">
-          <ac:chgData name="Karl Schubert" userId="ce3f3253-eece-415f-945c-f8827054ec22" providerId="ADAL" clId="{E185ADC7-5CC4-429A-9579-94A759389659}" dt="2020-07-06T15:20:00.761" v="78" actId="33524"/>
-          <ac:spMkLst>
-            <pc:docMk/>
-            <pc:sldMk cId="1046730459" sldId="289"/>
-            <ac:spMk id="3" creationId="{8A15C988-4525-4A77-A7F6-5C8CC5360D06}"/>
-          </ac:spMkLst>
-        </pc:spChg>
-      </pc:sldChg>
-      <pc:sldChg chg="modSp">
-        <pc:chgData name="Karl Schubert" userId="ce3f3253-eece-415f-945c-f8827054ec22" providerId="ADAL" clId="{E185ADC7-5CC4-429A-9579-94A759389659}" dt="2020-07-06T15:20:09.805" v="79" actId="33524"/>
-        <pc:sldMkLst>
-          <pc:docMk/>
-          <pc:sldMk cId="2139786132" sldId="290"/>
-        </pc:sldMkLst>
-        <pc:spChg chg="mod">
-          <ac:chgData name="Karl Schubert" userId="ce3f3253-eece-415f-945c-f8827054ec22" providerId="ADAL" clId="{E185ADC7-5CC4-429A-9579-94A759389659}" dt="2020-07-06T15:20:09.805" v="79" actId="33524"/>
-          <ac:spMkLst>
-            <pc:docMk/>
-            <pc:sldMk cId="2139786132" sldId="290"/>
-            <ac:spMk id="3" creationId="{13D55B79-DD9E-4A67-A48A-47E9AECFD4DD}"/>
-          </ac:spMkLst>
-        </pc:spChg>
-      </pc:sldChg>
-    </pc:docChg>
-  </pc:docChgLst>
-</pc:chgInfo>
-</file>
-
 <file path=ppt/handoutMasters/handoutMaster1.xml><?xml version="1.0" encoding="utf-8"?>
 <p:handoutMaster xmlns:a="http://schemas.openxmlformats.org/drawingml/2006/main" xmlns:r="http://schemas.openxmlformats.org/officeDocument/2006/relationships" xmlns:p="http://schemas.openxmlformats.org/presentationml/2006/main">
   <p:cSld>
@@ -279,7 +235,7 @@
           <a:p>
             <a:fld id="{47C25C99-F02B-4C2B-8B03-F4B6E796D864}" type="datetimeFigureOut">
               <a:rPr lang="en-US" smtClean="0"/>
-              <a:t>7/6/2020</a:t>
+              <a:t>7/16/2020</a:t>
             </a:fld>
             <a:endParaRPr lang="en-US"/>
           </a:p>
@@ -444,7 +400,7 @@
           <a:p>
             <a:fld id="{EBC98456-22EE-4E41-B149-3C903A1E2883}" type="datetimeFigureOut">
               <a:rPr lang="en-US" smtClean="0"/>
-              <a:t>7/6/2020</a:t>
+              <a:t>7/16/2020</a:t>
             </a:fld>
             <a:endParaRPr lang="en-US"/>
           </a:p>
@@ -1907,7 +1863,7 @@
           <a:p>
             <a:fld id="{A2D33E9E-967B-4F7A-A018-044C24FC5D55}" type="datetimeFigureOut">
               <a:rPr lang="en-US" smtClean="0"/>
-              <a:t>7/6/2020</a:t>
+              <a:t>7/16/2020</a:t>
             </a:fld>
             <a:endParaRPr lang="en-US"/>
           </a:p>
@@ -9837,7 +9793,7 @@
           <a:p>
             <a:fld id="{A2D33E9E-967B-4F7A-A018-044C24FC5D55}" type="datetimeFigureOut">
               <a:rPr lang="en-US" smtClean="0"/>
-              <a:t>7/6/2020</a:t>
+              <a:t>7/16/2020</a:t>
             </a:fld>
             <a:endParaRPr lang="en-US"/>
           </a:p>
@@ -13509,21 +13465,21 @@
 </file>
 
 <file path=customXml/item1.xml><?xml version="1.0" encoding="utf-8"?>
+<?mso-contentType ?>
+<FormTemplates xmlns="http://schemas.microsoft.com/sharepoint/v3/contenttype/forms">
+  <Display>DocumentLibraryForm</Display>
+  <Edit>DocumentLibraryForm</Edit>
+  <New>DocumentLibraryForm</New>
+</FormTemplates>
+</file>
+
+<file path=customXml/item2.xml><?xml version="1.0" encoding="utf-8"?>
 <p:properties xmlns:p="http://schemas.microsoft.com/office/2006/metadata/properties" xmlns:xsi="http://www.w3.org/2001/XMLSchema-instance" xmlns:pc="http://schemas.microsoft.com/office/infopath/2007/PartnerControls">
   <documentManagement>
     <_ip_UnifiedCompliancePolicyUIAction xmlns="http://schemas.microsoft.com/sharepoint/v3" xsi:nil="true"/>
     <_ip_UnifiedCompliancePolicyProperties xmlns="http://schemas.microsoft.com/sharepoint/v3" xsi:nil="true"/>
   </documentManagement>
 </p:properties>
-</file>
-
-<file path=customXml/item2.xml><?xml version="1.0" encoding="utf-8"?>
-<?mso-contentType ?>
-<FormTemplates xmlns="http://schemas.microsoft.com/sharepoint/v3/contenttype/forms">
-  <Display>DocumentLibraryForm</Display>
-  <Edit>DocumentLibraryForm</Edit>
-  <New>DocumentLibraryForm</New>
-</FormTemplates>
 </file>
 
 <file path=customXml/item3.xml><?xml version="1.0" encoding="utf-8"?>
@@ -13761,19 +13717,19 @@
 </file>
 
 <file path=customXml/itemProps1.xml><?xml version="1.0" encoding="utf-8"?>
+<ds:datastoreItem xmlns:ds="http://schemas.openxmlformats.org/officeDocument/2006/customXml" ds:itemID="{E63825F8-FCB9-4823-A3F0-FD17DA1AA695}">
+  <ds:schemaRefs>
+    <ds:schemaRef ds:uri="http://schemas.microsoft.com/sharepoint/v3/contenttype/forms"/>
+  </ds:schemaRefs>
+</ds:datastoreItem>
+</file>
+
+<file path=customXml/itemProps2.xml><?xml version="1.0" encoding="utf-8"?>
 <ds:datastoreItem xmlns:ds="http://schemas.openxmlformats.org/officeDocument/2006/customXml" ds:itemID="{7D56E10C-9FBE-4513-854F-3A7B11D25156}">
   <ds:schemaRefs>
     <ds:schemaRef ds:uri="http://schemas.microsoft.com/office/2006/metadata/properties"/>
     <ds:schemaRef ds:uri="http://schemas.microsoft.com/office/infopath/2007/PartnerControls"/>
     <ds:schemaRef ds:uri="http://schemas.microsoft.com/sharepoint/v3"/>
-  </ds:schemaRefs>
-</ds:datastoreItem>
-</file>
-
-<file path=customXml/itemProps2.xml><?xml version="1.0" encoding="utf-8"?>
-<ds:datastoreItem xmlns:ds="http://schemas.openxmlformats.org/officeDocument/2006/customXml" ds:itemID="{E63825F8-FCB9-4823-A3F0-FD17DA1AA695}">
-  <ds:schemaRefs>
-    <ds:schemaRef ds:uri="http://schemas.microsoft.com/sharepoint/v3/contenttype/forms"/>
   </ds:schemaRefs>
 </ds:datastoreItem>
 </file>
